--- a/program details.pptx
+++ b/program details.pptx
@@ -5,30 +5,32 @@
     <p:sldMasterId id="2147483648" r:id="rId1"/>
   </p:sldMasterIdLst>
   <p:notesMasterIdLst>
-    <p:notesMasterId r:id="rId23"/>
+    <p:notesMasterId r:id="rId25"/>
   </p:notesMasterIdLst>
   <p:sldIdLst>
     <p:sldId id="259" r:id="rId2"/>
     <p:sldId id="260" r:id="rId3"/>
-    <p:sldId id="258" r:id="rId4"/>
-    <p:sldId id="261" r:id="rId5"/>
-    <p:sldId id="262" r:id="rId6"/>
-    <p:sldId id="263" r:id="rId7"/>
-    <p:sldId id="264" r:id="rId8"/>
-    <p:sldId id="266" r:id="rId9"/>
-    <p:sldId id="267" r:id="rId10"/>
-    <p:sldId id="268" r:id="rId11"/>
-    <p:sldId id="269" r:id="rId12"/>
-    <p:sldId id="271" r:id="rId13"/>
-    <p:sldId id="270" r:id="rId14"/>
-    <p:sldId id="272" r:id="rId15"/>
-    <p:sldId id="273" r:id="rId16"/>
-    <p:sldId id="274" r:id="rId17"/>
-    <p:sldId id="275" r:id="rId18"/>
-    <p:sldId id="276" r:id="rId19"/>
-    <p:sldId id="277" r:id="rId20"/>
-    <p:sldId id="278" r:id="rId21"/>
-    <p:sldId id="279" r:id="rId22"/>
+    <p:sldId id="281" r:id="rId4"/>
+    <p:sldId id="258" r:id="rId5"/>
+    <p:sldId id="261" r:id="rId6"/>
+    <p:sldId id="262" r:id="rId7"/>
+    <p:sldId id="263" r:id="rId8"/>
+    <p:sldId id="264" r:id="rId9"/>
+    <p:sldId id="266" r:id="rId10"/>
+    <p:sldId id="267" r:id="rId11"/>
+    <p:sldId id="268" r:id="rId12"/>
+    <p:sldId id="269" r:id="rId13"/>
+    <p:sldId id="271" r:id="rId14"/>
+    <p:sldId id="270" r:id="rId15"/>
+    <p:sldId id="272" r:id="rId16"/>
+    <p:sldId id="273" r:id="rId17"/>
+    <p:sldId id="274" r:id="rId18"/>
+    <p:sldId id="280" r:id="rId19"/>
+    <p:sldId id="275" r:id="rId20"/>
+    <p:sldId id="276" r:id="rId21"/>
+    <p:sldId id="277" r:id="rId22"/>
+    <p:sldId id="278" r:id="rId23"/>
+    <p:sldId id="279" r:id="rId24"/>
   </p:sldIdLst>
   <p:sldSz cx="12192000" cy="6858000"/>
   <p:notesSz cx="6858000" cy="9144000"/>
@@ -127,6 +129,11 @@
       </a:defRPr>
     </a:lvl9pPr>
   </p:defaultTextStyle>
+  <p:extLst>
+    <p:ext uri="{EFAFB233-063F-42B5-8137-9DF3F51BA10A}">
+      <p15:sldGuideLst xmlns:p15="http://schemas.microsoft.com/office/powerpoint/2012/main"/>
+    </p:ext>
+  </p:extLst>
 </p:presentation>
 </file>
 
@@ -224,7 +231,7 @@
           <a:p>
             <a:fld id="{41696555-F28A-49C4-B9FD-422BA309C66E}" type="datetimeFigureOut">
               <a:rPr lang="en-US" smtClean="0"/>
-              <a:t>8/13/2021</a:t>
+              <a:t>8/17/2021</a:t>
             </a:fld>
             <a:endParaRPr lang="en-US"/>
           </a:p>
@@ -556,7 +563,7 @@
           <a:p>
             <a:fld id="{7FF9C9F7-21E2-4B55-A97E-E0124D43F797}" type="slidenum">
               <a:rPr lang="en-US" smtClean="0"/>
-              <a:t>6</a:t>
+              <a:t>7</a:t>
             </a:fld>
             <a:endParaRPr lang="en-US"/>
           </a:p>
@@ -640,7 +647,7 @@
           <a:p>
             <a:fld id="{7FF9C9F7-21E2-4B55-A97E-E0124D43F797}" type="slidenum">
               <a:rPr lang="en-US" smtClean="0"/>
-              <a:t>16</a:t>
+              <a:t>17</a:t>
             </a:fld>
             <a:endParaRPr lang="en-US"/>
           </a:p>
@@ -724,7 +731,7 @@
           <a:p>
             <a:fld id="{7FF9C9F7-21E2-4B55-A97E-E0124D43F797}" type="slidenum">
               <a:rPr lang="en-US" smtClean="0"/>
-              <a:t>8</a:t>
+              <a:t>9</a:t>
             </a:fld>
             <a:endParaRPr lang="en-US"/>
           </a:p>
@@ -808,7 +815,7 @@
           <a:p>
             <a:fld id="{7FF9C9F7-21E2-4B55-A97E-E0124D43F797}" type="slidenum">
               <a:rPr lang="en-US" smtClean="0"/>
-              <a:t>9</a:t>
+              <a:t>10</a:t>
             </a:fld>
             <a:endParaRPr lang="en-US"/>
           </a:p>
@@ -892,7 +899,7 @@
           <a:p>
             <a:fld id="{7FF9C9F7-21E2-4B55-A97E-E0124D43F797}" type="slidenum">
               <a:rPr lang="en-US" smtClean="0"/>
-              <a:t>10</a:t>
+              <a:t>11</a:t>
             </a:fld>
             <a:endParaRPr lang="en-US"/>
           </a:p>
@@ -976,7 +983,7 @@
           <a:p>
             <a:fld id="{7FF9C9F7-21E2-4B55-A97E-E0124D43F797}" type="slidenum">
               <a:rPr lang="en-US" smtClean="0"/>
-              <a:t>11</a:t>
+              <a:t>12</a:t>
             </a:fld>
             <a:endParaRPr lang="en-US"/>
           </a:p>
@@ -1060,7 +1067,7 @@
           <a:p>
             <a:fld id="{7FF9C9F7-21E2-4B55-A97E-E0124D43F797}" type="slidenum">
               <a:rPr lang="en-US" smtClean="0"/>
-              <a:t>12</a:t>
+              <a:t>13</a:t>
             </a:fld>
             <a:endParaRPr lang="en-US"/>
           </a:p>
@@ -1144,7 +1151,7 @@
           <a:p>
             <a:fld id="{7FF9C9F7-21E2-4B55-A97E-E0124D43F797}" type="slidenum">
               <a:rPr lang="en-US" smtClean="0"/>
-              <a:t>13</a:t>
+              <a:t>14</a:t>
             </a:fld>
             <a:endParaRPr lang="en-US"/>
           </a:p>
@@ -1228,7 +1235,7 @@
           <a:p>
             <a:fld id="{7FF9C9F7-21E2-4B55-A97E-E0124D43F797}" type="slidenum">
               <a:rPr lang="en-US" smtClean="0"/>
-              <a:t>14</a:t>
+              <a:t>15</a:t>
             </a:fld>
             <a:endParaRPr lang="en-US"/>
           </a:p>
@@ -1312,7 +1319,7 @@
           <a:p>
             <a:fld id="{7FF9C9F7-21E2-4B55-A97E-E0124D43F797}" type="slidenum">
               <a:rPr lang="en-US" smtClean="0"/>
-              <a:t>15</a:t>
+              <a:t>16</a:t>
             </a:fld>
             <a:endParaRPr lang="en-US"/>
           </a:p>
@@ -1478,7 +1485,7 @@
           <a:p>
             <a:fld id="{D9CC25E8-2A9C-40AC-87B2-7BA043855A92}" type="datetimeFigureOut">
               <a:rPr lang="en-US" smtClean="0"/>
-              <a:t>8/12/2021</a:t>
+              <a:t>8/17/2021</a:t>
             </a:fld>
             <a:endParaRPr lang="en-US"/>
           </a:p>
@@ -1676,7 +1683,7 @@
           <a:p>
             <a:fld id="{D9CC25E8-2A9C-40AC-87B2-7BA043855A92}" type="datetimeFigureOut">
               <a:rPr lang="en-US" smtClean="0"/>
-              <a:t>8/12/2021</a:t>
+              <a:t>8/17/2021</a:t>
             </a:fld>
             <a:endParaRPr lang="en-US"/>
           </a:p>
@@ -1884,7 +1891,7 @@
           <a:p>
             <a:fld id="{D9CC25E8-2A9C-40AC-87B2-7BA043855A92}" type="datetimeFigureOut">
               <a:rPr lang="en-US" smtClean="0"/>
-              <a:t>8/12/2021</a:t>
+              <a:t>8/17/2021</a:t>
             </a:fld>
             <a:endParaRPr lang="en-US"/>
           </a:p>
@@ -2082,7 +2089,7 @@
           <a:p>
             <a:fld id="{D9CC25E8-2A9C-40AC-87B2-7BA043855A92}" type="datetimeFigureOut">
               <a:rPr lang="en-US" smtClean="0"/>
-              <a:t>8/12/2021</a:t>
+              <a:t>8/17/2021</a:t>
             </a:fld>
             <a:endParaRPr lang="en-US"/>
           </a:p>
@@ -2357,7 +2364,7 @@
           <a:p>
             <a:fld id="{D9CC25E8-2A9C-40AC-87B2-7BA043855A92}" type="datetimeFigureOut">
               <a:rPr lang="en-US" smtClean="0"/>
-              <a:t>8/12/2021</a:t>
+              <a:t>8/17/2021</a:t>
             </a:fld>
             <a:endParaRPr lang="en-US"/>
           </a:p>
@@ -2622,7 +2629,7 @@
           <a:p>
             <a:fld id="{D9CC25E8-2A9C-40AC-87B2-7BA043855A92}" type="datetimeFigureOut">
               <a:rPr lang="en-US" smtClean="0"/>
-              <a:t>8/12/2021</a:t>
+              <a:t>8/17/2021</a:t>
             </a:fld>
             <a:endParaRPr lang="en-US"/>
           </a:p>
@@ -3034,7 +3041,7 @@
           <a:p>
             <a:fld id="{D9CC25E8-2A9C-40AC-87B2-7BA043855A92}" type="datetimeFigureOut">
               <a:rPr lang="en-US" smtClean="0"/>
-              <a:t>8/12/2021</a:t>
+              <a:t>8/17/2021</a:t>
             </a:fld>
             <a:endParaRPr lang="en-US"/>
           </a:p>
@@ -3175,7 +3182,7 @@
           <a:p>
             <a:fld id="{D9CC25E8-2A9C-40AC-87B2-7BA043855A92}" type="datetimeFigureOut">
               <a:rPr lang="en-US" smtClean="0"/>
-              <a:t>8/12/2021</a:t>
+              <a:t>8/17/2021</a:t>
             </a:fld>
             <a:endParaRPr lang="en-US"/>
           </a:p>
@@ -3288,7 +3295,7 @@
           <a:p>
             <a:fld id="{D9CC25E8-2A9C-40AC-87B2-7BA043855A92}" type="datetimeFigureOut">
               <a:rPr lang="en-US" smtClean="0"/>
-              <a:t>8/12/2021</a:t>
+              <a:t>8/17/2021</a:t>
             </a:fld>
             <a:endParaRPr lang="en-US"/>
           </a:p>
@@ -3599,7 +3606,7 @@
           <a:p>
             <a:fld id="{D9CC25E8-2A9C-40AC-87B2-7BA043855A92}" type="datetimeFigureOut">
               <a:rPr lang="en-US" smtClean="0"/>
-              <a:t>8/12/2021</a:t>
+              <a:t>8/17/2021</a:t>
             </a:fld>
             <a:endParaRPr lang="en-US"/>
           </a:p>
@@ -3887,7 +3894,7 @@
           <a:p>
             <a:fld id="{D9CC25E8-2A9C-40AC-87B2-7BA043855A92}" type="datetimeFigureOut">
               <a:rPr lang="en-US" smtClean="0"/>
-              <a:t>8/12/2021</a:t>
+              <a:t>8/17/2021</a:t>
             </a:fld>
             <a:endParaRPr lang="en-US"/>
           </a:p>
@@ -4128,7 +4135,7 @@
           <a:p>
             <a:fld id="{D9CC25E8-2A9C-40AC-87B2-7BA043855A92}" type="datetimeFigureOut">
               <a:rPr lang="en-US" smtClean="0"/>
-              <a:t>8/12/2021</a:t>
+              <a:t>8/17/2021</a:t>
             </a:fld>
             <a:endParaRPr lang="en-US"/>
           </a:p>
@@ -4960,6 +4967,295 @@
             <p:ph idx="1"/>
           </p:nvPr>
         </p:nvSpPr>
+        <p:spPr/>
+        <p:txBody>
+          <a:bodyPr>
+            <a:noAutofit/>
+          </a:bodyPr>
+          <a:lstStyle/>
+          <a:p>
+            <a:pPr>
+              <a:lnSpc>
+                <a:spcPct val="150000"/>
+              </a:lnSpc>
+              <a:buFontTx/>
+              <a:buChar char="-"/>
+            </a:pPr>
+            <a:r>
+              <a:rPr lang="en-US" altLang="ko-KR" sz="2000" dirty="0"/>
+              <a:t>“Process this frame (Test settings)” </a:t>
+            </a:r>
+            <a:r>
+              <a:rPr lang="ko-KR" altLang="en-US" sz="2000" dirty="0"/>
+              <a:t>버튼으로 각 단계 확인</a:t>
+            </a:r>
+            <a:endParaRPr lang="en-US" altLang="ko-KR" sz="2000" dirty="0"/>
+          </a:p>
+          <a:p>
+            <a:pPr marL="457200" indent="-457200">
+              <a:lnSpc>
+                <a:spcPct val="150000"/>
+              </a:lnSpc>
+              <a:buAutoNum type="arabicPeriod"/>
+            </a:pPr>
+            <a:r>
+              <a:rPr lang="ko-KR" altLang="en-US" sz="2000" dirty="0"/>
+              <a:t>이진 이미지 출력</a:t>
+            </a:r>
+            <a:endParaRPr lang="en-US" altLang="ko-KR" sz="2000" dirty="0"/>
+          </a:p>
+          <a:p>
+            <a:pPr marL="742950" lvl="1" indent="-285750">
+              <a:lnSpc>
+                <a:spcPct val="150000"/>
+              </a:lnSpc>
+              <a:buFontTx/>
+              <a:buChar char="-"/>
+            </a:pPr>
+            <a:r>
+              <a:rPr lang="ko-KR" altLang="en-US" sz="2000" dirty="0"/>
+              <a:t>관련 설정</a:t>
+            </a:r>
+            <a:r>
+              <a:rPr lang="en-US" altLang="ko-KR" sz="2000" dirty="0"/>
+              <a:t>:</a:t>
+            </a:r>
+          </a:p>
+          <a:p>
+            <a:pPr marL="1200150" lvl="2" indent="-285750">
+              <a:lnSpc>
+                <a:spcPct val="150000"/>
+              </a:lnSpc>
+              <a:buFontTx/>
+              <a:buChar char="-"/>
+            </a:pPr>
+            <a:r>
+              <a:rPr lang="en-US" dirty="0" err="1"/>
+              <a:t>Brightness_low</a:t>
+            </a:r>
+            <a:r>
+              <a:rPr lang="en-US" dirty="0"/>
+              <a:t>: </a:t>
+            </a:r>
+            <a:r>
+              <a:rPr lang="ko-KR" altLang="en-US" dirty="0"/>
+              <a:t>최소 밝기 </a:t>
+            </a:r>
+            <a:r>
+              <a:rPr lang="en-US" altLang="ko-KR" dirty="0"/>
+              <a:t>[0~255]</a:t>
+            </a:r>
+            <a:endParaRPr lang="en-US" dirty="0"/>
+          </a:p>
+          <a:p>
+            <a:pPr marL="1200150" lvl="2" indent="-285750">
+              <a:lnSpc>
+                <a:spcPct val="150000"/>
+              </a:lnSpc>
+              <a:buFontTx/>
+              <a:buChar char="-"/>
+            </a:pPr>
+            <a:r>
+              <a:rPr lang="en-US" dirty="0" err="1"/>
+              <a:t>Brightness_high</a:t>
+            </a:r>
+            <a:r>
+              <a:rPr lang="en-US" dirty="0"/>
+              <a:t>: </a:t>
+            </a:r>
+            <a:r>
+              <a:rPr lang="ko-KR" altLang="en-US" dirty="0"/>
+              <a:t>최대 밝기 </a:t>
+            </a:r>
+            <a:r>
+              <a:rPr lang="en-US" altLang="ko-KR" dirty="0"/>
+              <a:t>[0~255]</a:t>
+            </a:r>
+            <a:endParaRPr lang="en-US" dirty="0"/>
+          </a:p>
+          <a:p>
+            <a:pPr marL="742950" lvl="1" indent="-285750">
+              <a:lnSpc>
+                <a:spcPct val="150000"/>
+              </a:lnSpc>
+              <a:buFontTx/>
+              <a:buChar char="-"/>
+            </a:pPr>
+            <a:r>
+              <a:rPr lang="ko-KR" altLang="en-US" sz="2000" dirty="0"/>
+              <a:t>두 값 사이의 밝기는 흰색</a:t>
+            </a:r>
+            <a:r>
+              <a:rPr lang="en-US" altLang="ko-KR" sz="2000" dirty="0"/>
+              <a:t>, </a:t>
+            </a:r>
+            <a:r>
+              <a:rPr lang="ko-KR" altLang="en-US" sz="2000" dirty="0"/>
+              <a:t>그 외는 검은색으로 출력</a:t>
+            </a:r>
+            <a:endParaRPr lang="en-US" altLang="ko-KR" sz="2000" dirty="0"/>
+          </a:p>
+          <a:p>
+            <a:pPr marL="742950" lvl="1" indent="-285750">
+              <a:lnSpc>
+                <a:spcPct val="150000"/>
+              </a:lnSpc>
+              <a:buFontTx/>
+              <a:buChar char="-"/>
+            </a:pPr>
+            <a:r>
+              <a:rPr lang="ko-KR" altLang="en-US" sz="2000" dirty="0"/>
+              <a:t>밝기는 </a:t>
+            </a:r>
+            <a:r>
+              <a:rPr lang="en-US" altLang="ko-KR" sz="2000" dirty="0"/>
+              <a:t>0</a:t>
+            </a:r>
+            <a:r>
+              <a:rPr lang="ko-KR" altLang="en-US" sz="2000" dirty="0"/>
+              <a:t>에 가까울 수록 어두움</a:t>
+            </a:r>
+            <a:endParaRPr lang="en-US" altLang="ko-KR" sz="2000" dirty="0"/>
+          </a:p>
+          <a:p>
+            <a:pPr marL="742950" lvl="1" indent="-285750">
+              <a:lnSpc>
+                <a:spcPct val="150000"/>
+              </a:lnSpc>
+              <a:buFontTx/>
+              <a:buChar char="-"/>
+            </a:pPr>
+            <a:r>
+              <a:rPr lang="ko-KR" altLang="en-US" sz="2000" dirty="0"/>
+              <a:t>검출 대상이 흰색 덩어리로 나오면 성공</a:t>
+            </a:r>
+            <a:endParaRPr lang="en-US" sz="2000" dirty="0"/>
+          </a:p>
+          <a:p>
+            <a:pPr marL="457200" indent="-457200">
+              <a:lnSpc>
+                <a:spcPct val="150000"/>
+              </a:lnSpc>
+              <a:buAutoNum type="arabicPeriod"/>
+            </a:pPr>
+            <a:endParaRPr lang="en-US" altLang="ko-KR" sz="2000" dirty="0"/>
+          </a:p>
+          <a:p>
+            <a:pPr marL="457200" indent="-457200">
+              <a:lnSpc>
+                <a:spcPct val="150000"/>
+              </a:lnSpc>
+              <a:buAutoNum type="arabicPeriod"/>
+            </a:pPr>
+            <a:endParaRPr lang="en-US" altLang="ko-KR" sz="2000" dirty="0"/>
+          </a:p>
+        </p:txBody>
+      </p:sp>
+      <p:pic>
+        <p:nvPicPr>
+          <p:cNvPr id="8" name="Picture 7" descr="A screenshot of a computer&#10;&#10;Description automatically generated with medium confidence">
+            <a:extLst>
+              <a:ext uri="{FF2B5EF4-FFF2-40B4-BE49-F238E27FC236}">
+                <a16:creationId xmlns:a16="http://schemas.microsoft.com/office/drawing/2014/main" id="{5C63A947-2239-4C38-8A14-857C05623EC2}"/>
+              </a:ext>
+            </a:extLst>
+          </p:cNvPr>
+          <p:cNvPicPr>
+            <a:picLocks noChangeAspect="1"/>
+          </p:cNvPicPr>
+          <p:nvPr/>
+        </p:nvPicPr>
+        <p:blipFill>
+          <a:blip r:embed="rId3"/>
+          <a:stretch>
+            <a:fillRect/>
+          </a:stretch>
+        </p:blipFill>
+        <p:spPr>
+          <a:xfrm>
+            <a:off x="8415097" y="2090168"/>
+            <a:ext cx="3439005" cy="4086795"/>
+          </a:xfrm>
+          <a:prstGeom prst="rect">
+            <a:avLst/>
+          </a:prstGeom>
+        </p:spPr>
+      </p:pic>
+    </p:spTree>
+    <p:extLst>
+      <p:ext uri="{BB962C8B-B14F-4D97-AF65-F5344CB8AC3E}">
+        <p14:creationId xmlns:p14="http://schemas.microsoft.com/office/powerpoint/2010/main" val="94413158"/>
+      </p:ext>
+    </p:extLst>
+  </p:cSld>
+  <p:clrMapOvr>
+    <a:masterClrMapping/>
+  </p:clrMapOvr>
+</p:sld>
+</file>
+
+<file path=ppt/slides/slide11.xml><?xml version="1.0" encoding="utf-8"?>
+<p:sld xmlns:a="http://schemas.openxmlformats.org/drawingml/2006/main" xmlns:r="http://schemas.openxmlformats.org/officeDocument/2006/relationships" xmlns:p="http://schemas.openxmlformats.org/presentationml/2006/main">
+  <p:cSld>
+    <p:spTree>
+      <p:nvGrpSpPr>
+        <p:cNvPr id="1" name=""/>
+        <p:cNvGrpSpPr/>
+        <p:nvPr/>
+      </p:nvGrpSpPr>
+      <p:grpSpPr>
+        <a:xfrm>
+          <a:off x="0" y="0"/>
+          <a:ext cx="0" cy="0"/>
+          <a:chOff x="0" y="0"/>
+          <a:chExt cx="0" cy="0"/>
+        </a:xfrm>
+      </p:grpSpPr>
+      <p:sp>
+        <p:nvSpPr>
+          <p:cNvPr id="2" name="Title 1">
+            <a:extLst>
+              <a:ext uri="{FF2B5EF4-FFF2-40B4-BE49-F238E27FC236}">
+                <a16:creationId xmlns:a16="http://schemas.microsoft.com/office/drawing/2014/main" id="{CDBC1728-83B9-4A87-8D5D-8609F6ED2FD8}"/>
+              </a:ext>
+            </a:extLst>
+          </p:cNvPr>
+          <p:cNvSpPr>
+            <a:spLocks noGrp="1"/>
+          </p:cNvSpPr>
+          <p:nvPr>
+            <p:ph type="title"/>
+          </p:nvPr>
+        </p:nvSpPr>
+        <p:spPr/>
+        <p:txBody>
+          <a:bodyPr/>
+          <a:lstStyle/>
+          <a:p>
+            <a:r>
+              <a:rPr lang="ko-KR" altLang="en-US" sz="4400" dirty="0"/>
+              <a:t>검출 방식 및 설정</a:t>
+            </a:r>
+            <a:endParaRPr lang="en-US" dirty="0"/>
+          </a:p>
+        </p:txBody>
+      </p:sp>
+      <p:sp>
+        <p:nvSpPr>
+          <p:cNvPr id="4" name="Content Placeholder 3">
+            <a:extLst>
+              <a:ext uri="{FF2B5EF4-FFF2-40B4-BE49-F238E27FC236}">
+                <a16:creationId xmlns:a16="http://schemas.microsoft.com/office/drawing/2014/main" id="{AB5DF808-72E8-45FA-A7E1-1974B6A239DB}"/>
+              </a:ext>
+            </a:extLst>
+          </p:cNvPr>
+          <p:cNvSpPr>
+            <a:spLocks noGrp="1"/>
+          </p:cNvSpPr>
+          <p:nvPr>
+            <p:ph idx="1"/>
+          </p:nvPr>
+        </p:nvSpPr>
         <p:spPr>
           <a:xfrm>
             <a:off x="771525" y="1725105"/>
@@ -5151,7 +5447,7 @@
 </p:sld>
 </file>
 
-<file path=ppt/slides/slide11.xml><?xml version="1.0" encoding="utf-8"?>
+<file path=ppt/slides/slide12.xml><?xml version="1.0" encoding="utf-8"?>
 <p:sld xmlns:a="http://schemas.openxmlformats.org/drawingml/2006/main" xmlns:r="http://schemas.openxmlformats.org/officeDocument/2006/relationships" xmlns:p="http://schemas.openxmlformats.org/presentationml/2006/main">
   <p:cSld>
     <p:spTree>
@@ -5538,7 +5834,7 @@
 </p:sld>
 </file>
 
-<file path=ppt/slides/slide12.xml><?xml version="1.0" encoding="utf-8"?>
+<file path=ppt/slides/slide13.xml><?xml version="1.0" encoding="utf-8"?>
 <p:sld xmlns:a="http://schemas.openxmlformats.org/drawingml/2006/main" xmlns:r="http://schemas.openxmlformats.org/officeDocument/2006/relationships" xmlns:p="http://schemas.openxmlformats.org/presentationml/2006/main">
   <p:cSld>
     <p:spTree>
@@ -5872,7 +6168,7 @@
 </p:sld>
 </file>
 
-<file path=ppt/slides/slide13.xml><?xml version="1.0" encoding="utf-8"?>
+<file path=ppt/slides/slide14.xml><?xml version="1.0" encoding="utf-8"?>
 <p:sld xmlns:a="http://schemas.openxmlformats.org/drawingml/2006/main" xmlns:r="http://schemas.openxmlformats.org/officeDocument/2006/relationships" xmlns:p="http://schemas.openxmlformats.org/presentationml/2006/main">
   <p:cSld>
     <p:spTree>
@@ -6513,7 +6809,7 @@
 </p:sld>
 </file>
 
-<file path=ppt/slides/slide14.xml><?xml version="1.0" encoding="utf-8"?>
+<file path=ppt/slides/slide15.xml><?xml version="1.0" encoding="utf-8"?>
 <p:sld xmlns:a="http://schemas.openxmlformats.org/drawingml/2006/main" xmlns:r="http://schemas.openxmlformats.org/officeDocument/2006/relationships" xmlns:p="http://schemas.openxmlformats.org/presentationml/2006/main">
   <p:cSld>
     <p:spTree>
@@ -6559,8 +6855,8 @@
           </a:p>
         </p:txBody>
       </p:sp>
-      <mc:AlternateContent xmlns:mc="http://schemas.openxmlformats.org/markup-compatibility/2006">
-        <mc:Choice xmlns:a14="http://schemas.microsoft.com/office/drawing/2010/main" Requires="a14">
+      <mc:AlternateContent xmlns:mc="http://schemas.openxmlformats.org/markup-compatibility/2006" xmlns:a14="http://schemas.microsoft.com/office/drawing/2010/main">
+        <mc:Choice Requires="a14">
           <p:sp>
             <p:nvSpPr>
               <p:cNvPr id="4" name="Content Placeholder 3">
@@ -6911,7 +7207,7 @@
             </p:txBody>
           </p:sp>
         </mc:Choice>
-        <mc:Fallback>
+        <mc:Fallback xmlns="">
           <p:sp>
             <p:nvSpPr>
               <p:cNvPr id="4" name="Content Placeholder 3">
@@ -6998,7 +7294,7 @@
 </p:sld>
 </file>
 
-<file path=ppt/slides/slide15.xml><?xml version="1.0" encoding="utf-8"?>
+<file path=ppt/slides/slide16.xml><?xml version="1.0" encoding="utf-8"?>
 <p:sld xmlns:a="http://schemas.openxmlformats.org/drawingml/2006/main" xmlns:r="http://schemas.openxmlformats.org/officeDocument/2006/relationships" xmlns:p="http://schemas.openxmlformats.org/presentationml/2006/main">
   <p:cSld>
     <p:spTree>
@@ -7550,8 +7846,8 @@
           </a:p>
         </p:txBody>
       </p:sp>
-      <mc:AlternateContent xmlns:mc="http://schemas.openxmlformats.org/markup-compatibility/2006">
-        <mc:Choice xmlns:a14="http://schemas.microsoft.com/office/drawing/2010/main" Requires="a14">
+      <mc:AlternateContent xmlns:mc="http://schemas.openxmlformats.org/markup-compatibility/2006" xmlns:a14="http://schemas.microsoft.com/office/drawing/2010/main">
+        <mc:Choice Requires="a14">
           <p:sp>
             <p:nvSpPr>
               <p:cNvPr id="14" name="TextBox 13">
@@ -7593,7 +7889,6 @@
               </a:bodyPr>
               <a:lstStyle/>
               <a:p>
-                <a:pPr/>
                 <a:r>
                   <a:rPr lang="ko-KR" altLang="en-US" sz="1400" dirty="0"/>
                   <a:t>각속도</a:t>
@@ -7827,7 +8122,7 @@
             </p:txBody>
           </p:sp>
         </mc:Choice>
-        <mc:Fallback>
+        <mc:Fallback xmlns="">
           <p:sp>
             <p:nvSpPr>
               <p:cNvPr id="14" name="TextBox 13">
@@ -8002,7 +8297,7 @@
 </p:sld>
 </file>
 
-<file path=ppt/slides/slide16.xml><?xml version="1.0" encoding="utf-8"?>
+<file path=ppt/slides/slide17.xml><?xml version="1.0" encoding="utf-8"?>
 <p:sld xmlns:a="http://schemas.openxmlformats.org/drawingml/2006/main" xmlns:r="http://schemas.openxmlformats.org/officeDocument/2006/relationships" xmlns:p="http://schemas.openxmlformats.org/presentationml/2006/main">
   <p:cSld>
     <p:spTree>
@@ -8316,8 +8611,8 @@
           </a:p>
         </p:txBody>
       </p:sp>
-      <mc:AlternateContent xmlns:mc="http://schemas.openxmlformats.org/markup-compatibility/2006">
-        <mc:Choice xmlns:a14="http://schemas.microsoft.com/office/drawing/2010/main" Requires="a14">
+      <mc:AlternateContent xmlns:mc="http://schemas.openxmlformats.org/markup-compatibility/2006" xmlns:a14="http://schemas.microsoft.com/office/drawing/2010/main">
+        <mc:Choice Requires="a14">
           <p:sp>
             <p:nvSpPr>
               <p:cNvPr id="14" name="TextBox 13">
@@ -8359,7 +8654,6 @@
               </a:bodyPr>
               <a:lstStyle/>
               <a:p>
-                <a:pPr/>
                 <a:r>
                   <a:rPr lang="ko-KR" altLang="en-US" sz="1600" dirty="0"/>
                   <a:t>면적 정규화</a:t>
@@ -8457,7 +8751,7 @@
             </p:txBody>
           </p:sp>
         </mc:Choice>
-        <mc:Fallback>
+        <mc:Fallback xmlns="">
           <p:sp>
             <p:nvSpPr>
               <p:cNvPr id="14" name="TextBox 13">
@@ -8722,7 +9016,222 @@
 </p:sld>
 </file>
 
-<file path=ppt/slides/slide17.xml><?xml version="1.0" encoding="utf-8"?>
+<file path=ppt/slides/slide18.xml><?xml version="1.0" encoding="utf-8"?>
+<p:sld xmlns:a="http://schemas.openxmlformats.org/drawingml/2006/main" xmlns:r="http://schemas.openxmlformats.org/officeDocument/2006/relationships" xmlns:p="http://schemas.openxmlformats.org/presentationml/2006/main">
+  <p:cSld>
+    <p:spTree>
+      <p:nvGrpSpPr>
+        <p:cNvPr id="1" name=""/>
+        <p:cNvGrpSpPr/>
+        <p:nvPr/>
+      </p:nvGrpSpPr>
+      <p:grpSpPr>
+        <a:xfrm>
+          <a:off x="0" y="0"/>
+          <a:ext cx="0" cy="0"/>
+          <a:chOff x="0" y="0"/>
+          <a:chExt cx="0" cy="0"/>
+        </a:xfrm>
+      </p:grpSpPr>
+      <p:sp>
+        <p:nvSpPr>
+          <p:cNvPr id="2" name="Title 1">
+            <a:extLst>
+              <a:ext uri="{FF2B5EF4-FFF2-40B4-BE49-F238E27FC236}">
+                <a16:creationId xmlns:a16="http://schemas.microsoft.com/office/drawing/2014/main" id="{CDBC1728-83B9-4A87-8D5D-8609F6ED2FD8}"/>
+              </a:ext>
+            </a:extLst>
+          </p:cNvPr>
+          <p:cNvSpPr>
+            <a:spLocks noGrp="1"/>
+          </p:cNvSpPr>
+          <p:nvPr>
+            <p:ph type="title"/>
+          </p:nvPr>
+        </p:nvSpPr>
+        <p:spPr>
+          <a:xfrm>
+            <a:off x="838200" y="355600"/>
+            <a:ext cx="10515600" cy="1325563"/>
+          </a:xfrm>
+        </p:spPr>
+        <p:txBody>
+          <a:bodyPr/>
+          <a:lstStyle/>
+          <a:p>
+            <a:r>
+              <a:rPr lang="en-US" altLang="ko-KR" dirty="0"/>
+              <a:t>Interpolation (detect </a:t>
+            </a:r>
+            <a:r>
+              <a:rPr lang="ko-KR" altLang="en-US" dirty="0"/>
+              <a:t>실패한 </a:t>
+            </a:r>
+            <a:r>
+              <a:rPr lang="en-US" altLang="ko-KR" dirty="0"/>
+              <a:t>frame </a:t>
+            </a:r>
+            <a:r>
+              <a:rPr lang="ko-KR" altLang="en-US" dirty="0"/>
+              <a:t>처리</a:t>
+            </a:r>
+            <a:r>
+              <a:rPr lang="en-US" altLang="ko-KR" dirty="0"/>
+              <a:t>)</a:t>
+            </a:r>
+            <a:endParaRPr lang="en-US" dirty="0"/>
+          </a:p>
+        </p:txBody>
+      </p:sp>
+      <p:sp>
+        <p:nvSpPr>
+          <p:cNvPr id="14" name="TextBox 13">
+            <a:extLst>
+              <a:ext uri="{FF2B5EF4-FFF2-40B4-BE49-F238E27FC236}">
+                <a16:creationId xmlns:a16="http://schemas.microsoft.com/office/drawing/2014/main" id="{A2B64A72-33A3-44D8-97E9-302DDB0736A4}"/>
+              </a:ext>
+            </a:extLst>
+          </p:cNvPr>
+          <p:cNvSpPr txBox="1"/>
+          <p:nvPr/>
+        </p:nvSpPr>
+        <p:spPr>
+          <a:xfrm>
+            <a:off x="276124" y="1681163"/>
+            <a:ext cx="8550242" cy="707886"/>
+          </a:xfrm>
+          <a:prstGeom prst="rect">
+            <a:avLst/>
+          </a:prstGeom>
+          <a:noFill/>
+        </p:spPr>
+        <p:txBody>
+          <a:bodyPr wrap="square">
+            <a:spAutoFit/>
+          </a:bodyPr>
+          <a:lstStyle/>
+          <a:p>
+            <a:pPr marL="342900" indent="-342900">
+              <a:buFontTx/>
+              <a:buChar char="-"/>
+            </a:pPr>
+            <a:r>
+              <a:rPr lang="ko-KR" altLang="en-US" sz="2000" dirty="0"/>
+              <a:t>자동으로 앞</a:t>
+            </a:r>
+            <a:r>
+              <a:rPr lang="en-US" altLang="ko-KR" sz="2000" dirty="0"/>
+              <a:t>, </a:t>
+            </a:r>
+            <a:r>
+              <a:rPr lang="ko-KR" altLang="en-US" sz="2000" dirty="0"/>
+              <a:t>뒤 </a:t>
+            </a:r>
+            <a:r>
+              <a:rPr lang="en-US" altLang="ko-KR" sz="2000" dirty="0"/>
+              <a:t>frame</a:t>
+            </a:r>
+            <a:r>
+              <a:rPr lang="ko-KR" altLang="en-US" sz="2000" dirty="0"/>
+              <a:t>들의 평균으로 처리</a:t>
+            </a:r>
+            <a:endParaRPr lang="en-US" altLang="ko-KR" sz="2000" dirty="0"/>
+          </a:p>
+          <a:p>
+            <a:pPr marL="342900" indent="-342900">
+              <a:buFontTx/>
+              <a:buChar char="-"/>
+            </a:pPr>
+            <a:endParaRPr lang="en-US" altLang="ko-KR" sz="2000" dirty="0"/>
+          </a:p>
+        </p:txBody>
+      </p:sp>
+      <p:pic>
+        <p:nvPicPr>
+          <p:cNvPr id="5" name="Picture 4" descr="Chart, line chart&#10;&#10;Description automatically generated">
+            <a:extLst>
+              <a:ext uri="{FF2B5EF4-FFF2-40B4-BE49-F238E27FC236}">
+                <a16:creationId xmlns:a16="http://schemas.microsoft.com/office/drawing/2014/main" id="{7CF74AA1-936A-4791-AFBD-0CB6C962F9ED}"/>
+              </a:ext>
+            </a:extLst>
+          </p:cNvPr>
+          <p:cNvPicPr>
+            <a:picLocks noChangeAspect="1"/>
+          </p:cNvPicPr>
+          <p:nvPr/>
+        </p:nvPicPr>
+        <p:blipFill>
+          <a:blip r:embed="rId2">
+            <a:extLst>
+              <a:ext uri="{28A0092B-C50C-407E-A947-70E740481C1C}">
+                <a14:useLocalDpi xmlns:a14="http://schemas.microsoft.com/office/drawing/2010/main" val="0"/>
+              </a:ext>
+            </a:extLst>
+          </a:blip>
+          <a:stretch>
+            <a:fillRect/>
+          </a:stretch>
+        </p:blipFill>
+        <p:spPr>
+          <a:xfrm>
+            <a:off x="5756722" y="2890596"/>
+            <a:ext cx="4609699" cy="3457274"/>
+          </a:xfrm>
+          <a:prstGeom prst="rect">
+            <a:avLst/>
+          </a:prstGeom>
+        </p:spPr>
+      </p:pic>
+      <p:pic>
+        <p:nvPicPr>
+          <p:cNvPr id="7" name="Picture 6" descr="Chart&#10;&#10;Description automatically generated">
+            <a:extLst>
+              <a:ext uri="{FF2B5EF4-FFF2-40B4-BE49-F238E27FC236}">
+                <a16:creationId xmlns:a16="http://schemas.microsoft.com/office/drawing/2014/main" id="{99555DC9-622E-44D7-B639-D3D0DB1A85C9}"/>
+              </a:ext>
+            </a:extLst>
+          </p:cNvPr>
+          <p:cNvPicPr>
+            <a:picLocks noChangeAspect="1"/>
+          </p:cNvPicPr>
+          <p:nvPr/>
+        </p:nvPicPr>
+        <p:blipFill>
+          <a:blip r:embed="rId3">
+            <a:extLst>
+              <a:ext uri="{28A0092B-C50C-407E-A947-70E740481C1C}">
+                <a14:useLocalDpi xmlns:a14="http://schemas.microsoft.com/office/drawing/2010/main" val="0"/>
+              </a:ext>
+            </a:extLst>
+          </a:blip>
+          <a:stretch>
+            <a:fillRect/>
+          </a:stretch>
+        </p:blipFill>
+        <p:spPr>
+          <a:xfrm>
+            <a:off x="1406091" y="2890596"/>
+            <a:ext cx="4609699" cy="3457274"/>
+          </a:xfrm>
+          <a:prstGeom prst="rect">
+            <a:avLst/>
+          </a:prstGeom>
+        </p:spPr>
+      </p:pic>
+    </p:spTree>
+    <p:extLst>
+      <p:ext uri="{BB962C8B-B14F-4D97-AF65-F5344CB8AC3E}">
+        <p14:creationId xmlns:p14="http://schemas.microsoft.com/office/powerpoint/2010/main" val="2402878323"/>
+      </p:ext>
+    </p:extLst>
+  </p:cSld>
+  <p:clrMapOvr>
+    <a:masterClrMapping/>
+  </p:clrMapOvr>
+</p:sld>
+</file>
+
+<file path=ppt/slides/slide19.xml><?xml version="1.0" encoding="utf-8"?>
 <p:sld xmlns:a="http://schemas.openxmlformats.org/drawingml/2006/main" xmlns:r="http://schemas.openxmlformats.org/officeDocument/2006/relationships" xmlns:p="http://schemas.openxmlformats.org/presentationml/2006/main">
   <p:cSld>
     <p:spTree>
@@ -9152,823 +9661,6 @@
     <p:extLst>
       <p:ext uri="{BB962C8B-B14F-4D97-AF65-F5344CB8AC3E}">
         <p14:creationId xmlns:p14="http://schemas.microsoft.com/office/powerpoint/2010/main" val="2407906674"/>
-      </p:ext>
-    </p:extLst>
-  </p:cSld>
-  <p:clrMapOvr>
-    <a:masterClrMapping/>
-  </p:clrMapOvr>
-</p:sld>
-</file>
-
-<file path=ppt/slides/slide18.xml><?xml version="1.0" encoding="utf-8"?>
-<p:sld xmlns:a="http://schemas.openxmlformats.org/drawingml/2006/main" xmlns:r="http://schemas.openxmlformats.org/officeDocument/2006/relationships" xmlns:p="http://schemas.openxmlformats.org/presentationml/2006/main">
-  <p:cSld>
-    <p:spTree>
-      <p:nvGrpSpPr>
-        <p:cNvPr id="1" name=""/>
-        <p:cNvGrpSpPr/>
-        <p:nvPr/>
-      </p:nvGrpSpPr>
-      <p:grpSpPr>
-        <a:xfrm>
-          <a:off x="0" y="0"/>
-          <a:ext cx="0" cy="0"/>
-          <a:chOff x="0" y="0"/>
-          <a:chExt cx="0" cy="0"/>
-        </a:xfrm>
-      </p:grpSpPr>
-      <p:pic>
-        <p:nvPicPr>
-          <p:cNvPr id="4" name="Picture 3" descr="Graphical user interface&#10;&#10;Description automatically generated">
-            <a:extLst>
-              <a:ext uri="{FF2B5EF4-FFF2-40B4-BE49-F238E27FC236}">
-                <a16:creationId xmlns:a16="http://schemas.microsoft.com/office/drawing/2014/main" id="{D964716F-13D0-4EF2-A34D-9318CED17A9E}"/>
-              </a:ext>
-            </a:extLst>
-          </p:cNvPr>
-          <p:cNvPicPr>
-            <a:picLocks noChangeAspect="1"/>
-          </p:cNvPicPr>
-          <p:nvPr/>
-        </p:nvPicPr>
-        <p:blipFill rotWithShape="1">
-          <a:blip r:embed="rId2"/>
-          <a:srcRect l="50013"/>
-          <a:stretch/>
-        </p:blipFill>
-        <p:spPr>
-          <a:xfrm>
-            <a:off x="8677275" y="1777837"/>
-            <a:ext cx="3514725" cy="5080163"/>
-          </a:xfrm>
-          <a:prstGeom prst="rect">
-            <a:avLst/>
-          </a:prstGeom>
-        </p:spPr>
-      </p:pic>
-      <p:sp>
-        <p:nvSpPr>
-          <p:cNvPr id="26" name="TextBox 25">
-            <a:extLst>
-              <a:ext uri="{FF2B5EF4-FFF2-40B4-BE49-F238E27FC236}">
-                <a16:creationId xmlns:a16="http://schemas.microsoft.com/office/drawing/2014/main" id="{79BC6823-67A6-4630-AD90-4ADC4C4319E1}"/>
-              </a:ext>
-            </a:extLst>
-          </p:cNvPr>
-          <p:cNvSpPr txBox="1"/>
-          <p:nvPr/>
-        </p:nvSpPr>
-        <p:spPr>
-          <a:xfrm>
-            <a:off x="285750" y="1782600"/>
-            <a:ext cx="4617708" cy="3170099"/>
-          </a:xfrm>
-          <a:prstGeom prst="rect">
-            <a:avLst/>
-          </a:prstGeom>
-          <a:noFill/>
-        </p:spPr>
-        <p:txBody>
-          <a:bodyPr wrap="square">
-            <a:spAutoFit/>
-          </a:bodyPr>
-          <a:lstStyle/>
-          <a:p>
-            <a:pPr marL="342900" indent="-342900">
-              <a:buFontTx/>
-              <a:buChar char="-"/>
-            </a:pPr>
-            <a:r>
-              <a:rPr lang="en-US" sz="2000" b="1" dirty="0"/>
-              <a:t>X</a:t>
-            </a:r>
-            <a:r>
-              <a:rPr lang="ko-KR" altLang="en-US" sz="2000" b="1" dirty="0"/>
-              <a:t>축 설정</a:t>
-            </a:r>
-            <a:endParaRPr lang="en-US" altLang="ko-KR" sz="2000" b="1" dirty="0"/>
-          </a:p>
-          <a:p>
-            <a:pPr marL="800100" lvl="1" indent="-342900">
-              <a:buFontTx/>
-              <a:buChar char="-"/>
-            </a:pPr>
-            <a:r>
-              <a:rPr lang="en-US" altLang="ko-KR" sz="2000" dirty="0"/>
-              <a:t>Axis: </a:t>
-            </a:r>
-            <a:r>
-              <a:rPr lang="ko-KR" altLang="en-US" sz="2000" dirty="0"/>
-              <a:t>택</a:t>
-            </a:r>
-            <a:r>
-              <a:rPr lang="en-US" altLang="ko-KR" sz="2000" dirty="0"/>
-              <a:t>1 (time, frame, frequency)</a:t>
-            </a:r>
-          </a:p>
-          <a:p>
-            <a:pPr marL="1257300" lvl="2" indent="-342900">
-              <a:buFontTx/>
-              <a:buChar char="-"/>
-            </a:pPr>
-            <a:r>
-              <a:rPr lang="en-US" altLang="ko-KR" sz="2000" dirty="0"/>
-              <a:t>Frequency </a:t>
-            </a:r>
-            <a:r>
-              <a:rPr lang="ko-KR" altLang="en-US" sz="2000" dirty="0"/>
-              <a:t>선택시 </a:t>
-            </a:r>
-            <a:r>
-              <a:rPr lang="en-US" altLang="ko-KR" sz="2000" dirty="0"/>
-              <a:t>FFT </a:t>
-            </a:r>
-            <a:r>
-              <a:rPr lang="ko-KR" altLang="en-US" sz="2000" dirty="0"/>
-              <a:t>처리</a:t>
-            </a:r>
-            <a:endParaRPr lang="en-US" altLang="ko-KR" sz="2000" dirty="0"/>
-          </a:p>
-          <a:p>
-            <a:pPr marL="800100" lvl="1" indent="-342900">
-              <a:buFontTx/>
-              <a:buChar char="-"/>
-            </a:pPr>
-            <a:r>
-              <a:rPr lang="en-US" altLang="ko-KR" sz="2000" dirty="0"/>
-              <a:t>Range, grid, label:</a:t>
-            </a:r>
-            <a:br>
-              <a:rPr lang="en-US" altLang="ko-KR" sz="2000" dirty="0"/>
-            </a:br>
-            <a:r>
-              <a:rPr lang="en-US" altLang="ko-KR" sz="2000" dirty="0"/>
-              <a:t>Auto </a:t>
-            </a:r>
-            <a:r>
-              <a:rPr lang="ko-KR" altLang="en-US" sz="2000" dirty="0"/>
-              <a:t>체크박스 해제해서 수정</a:t>
-            </a:r>
-            <a:endParaRPr lang="en-US" altLang="ko-KR" sz="2000" dirty="0"/>
-          </a:p>
-          <a:p>
-            <a:pPr marL="800100" lvl="1" indent="-342900">
-              <a:buFontTx/>
-              <a:buChar char="-"/>
-            </a:pPr>
-            <a:r>
-              <a:rPr lang="en-US" altLang="ko-KR" sz="2000" dirty="0"/>
-              <a:t>Grid </a:t>
-            </a:r>
-            <a:r>
-              <a:rPr lang="ko-KR" altLang="en-US" sz="2000" dirty="0"/>
-              <a:t>설정 방법</a:t>
-            </a:r>
-            <a:r>
-              <a:rPr lang="en-US" altLang="ko-KR" sz="2000" dirty="0"/>
-              <a:t>:</a:t>
-            </a:r>
-          </a:p>
-          <a:p>
-            <a:pPr marL="1257300" lvl="2" indent="-342900">
-              <a:buFontTx/>
-              <a:buChar char="-"/>
-            </a:pPr>
-            <a:r>
-              <a:rPr lang="en-US" altLang="ko-KR" sz="2000" dirty="0"/>
-              <a:t>From: </a:t>
-            </a:r>
-            <a:r>
-              <a:rPr lang="ko-KR" altLang="en-US" sz="2000" dirty="0"/>
-              <a:t>첫 </a:t>
-            </a:r>
-            <a:r>
-              <a:rPr lang="en-US" altLang="ko-KR" sz="2000" dirty="0"/>
-              <a:t>grid</a:t>
-            </a:r>
-          </a:p>
-          <a:p>
-            <a:pPr marL="1257300" lvl="2" indent="-342900">
-              <a:buFontTx/>
-              <a:buChar char="-"/>
-            </a:pPr>
-            <a:r>
-              <a:rPr lang="en-US" altLang="ko-KR" sz="2000" dirty="0"/>
-              <a:t>To:</a:t>
-            </a:r>
-            <a:r>
-              <a:rPr lang="ko-KR" altLang="en-US" sz="2000" dirty="0"/>
-              <a:t> 마지막</a:t>
-            </a:r>
-            <a:r>
-              <a:rPr lang="en-US" altLang="ko-KR" sz="2000" dirty="0"/>
-              <a:t> grid</a:t>
-            </a:r>
-          </a:p>
-          <a:p>
-            <a:pPr marL="1257300" lvl="2" indent="-342900">
-              <a:buFontTx/>
-              <a:buChar char="-"/>
-            </a:pPr>
-            <a:r>
-              <a:rPr lang="en-US" altLang="ko-KR" sz="2000" dirty="0"/>
-              <a:t>Count: grid </a:t>
-            </a:r>
-            <a:r>
-              <a:rPr lang="ko-KR" altLang="en-US" sz="2000" dirty="0"/>
-              <a:t>갯수</a:t>
-            </a:r>
-            <a:endParaRPr lang="en-US" altLang="ko-KR" sz="2000" dirty="0"/>
-          </a:p>
-          <a:p>
-            <a:pPr marL="1257300" lvl="2" indent="-342900">
-              <a:buFontTx/>
-              <a:buChar char="-"/>
-            </a:pPr>
-            <a:r>
-              <a:rPr lang="en-US" altLang="ko-KR" sz="2000" dirty="0"/>
-              <a:t>Ex: </a:t>
-            </a:r>
-          </a:p>
-        </p:txBody>
-      </p:sp>
-      <p:sp>
-        <p:nvSpPr>
-          <p:cNvPr id="2" name="Title 1">
-            <a:extLst>
-              <a:ext uri="{FF2B5EF4-FFF2-40B4-BE49-F238E27FC236}">
-                <a16:creationId xmlns:a16="http://schemas.microsoft.com/office/drawing/2014/main" id="{CDBC1728-83B9-4A87-8D5D-8609F6ED2FD8}"/>
-              </a:ext>
-            </a:extLst>
-          </p:cNvPr>
-          <p:cNvSpPr>
-            <a:spLocks noGrp="1"/>
-          </p:cNvSpPr>
-          <p:nvPr>
-            <p:ph type="title"/>
-          </p:nvPr>
-        </p:nvSpPr>
-        <p:spPr/>
-        <p:txBody>
-          <a:bodyPr/>
-          <a:lstStyle/>
-          <a:p>
-            <a:r>
-              <a:rPr lang="en-US" altLang="ko-KR" dirty="0"/>
-              <a:t>GUI </a:t>
-            </a:r>
-            <a:r>
-              <a:rPr lang="ko-KR" altLang="en-US" dirty="0"/>
-              <a:t>레이아웃 </a:t>
-            </a:r>
-            <a:r>
-              <a:rPr lang="en-US" altLang="ko-KR" dirty="0"/>
-              <a:t>– Plotting</a:t>
-            </a:r>
-            <a:r>
-              <a:rPr lang="ko-KR" altLang="en-US" dirty="0"/>
-              <a:t> </a:t>
-            </a:r>
-            <a:r>
-              <a:rPr lang="en-US" altLang="ko-KR" sz="4400" dirty="0"/>
-              <a:t>window</a:t>
-            </a:r>
-            <a:endParaRPr lang="en-US" dirty="0"/>
-          </a:p>
-        </p:txBody>
-      </p:sp>
-      <p:sp>
-        <p:nvSpPr>
-          <p:cNvPr id="12" name="Rectangle 11">
-            <a:extLst>
-              <a:ext uri="{FF2B5EF4-FFF2-40B4-BE49-F238E27FC236}">
-                <a16:creationId xmlns:a16="http://schemas.microsoft.com/office/drawing/2014/main" id="{00691223-8F4B-420E-977A-D7C70335BB1B}"/>
-              </a:ext>
-            </a:extLst>
-          </p:cNvPr>
-          <p:cNvSpPr/>
-          <p:nvPr/>
-        </p:nvSpPr>
-        <p:spPr>
-          <a:xfrm>
-            <a:off x="9483733" y="3123648"/>
-            <a:ext cx="2584442" cy="1194270"/>
-          </a:xfrm>
-          <a:prstGeom prst="rect">
-            <a:avLst/>
-          </a:prstGeom>
-          <a:noFill/>
-          <a:ln w="38100">
-            <a:solidFill>
-              <a:srgbClr val="C00000"/>
-            </a:solidFill>
-          </a:ln>
-        </p:spPr>
-        <p:style>
-          <a:lnRef idx="2">
-            <a:schemeClr val="dk1">
-              <a:shade val="50000"/>
-            </a:schemeClr>
-          </a:lnRef>
-          <a:fillRef idx="1">
-            <a:schemeClr val="dk1"/>
-          </a:fillRef>
-          <a:effectRef idx="0">
-            <a:schemeClr val="dk1"/>
-          </a:effectRef>
-          <a:fontRef idx="minor">
-            <a:schemeClr val="lt1"/>
-          </a:fontRef>
-        </p:style>
-        <p:txBody>
-          <a:bodyPr rtlCol="0" anchor="ctr"/>
-          <a:lstStyle/>
-          <a:p>
-            <a:pPr algn="ctr"/>
-            <a:endParaRPr lang="en-US"/>
-          </a:p>
-        </p:txBody>
-      </p:sp>
-      <p:cxnSp>
-        <p:nvCxnSpPr>
-          <p:cNvPr id="13" name="Straight Connector 12">
-            <a:extLst>
-              <a:ext uri="{FF2B5EF4-FFF2-40B4-BE49-F238E27FC236}">
-                <a16:creationId xmlns:a16="http://schemas.microsoft.com/office/drawing/2014/main" id="{EE29F99E-D266-4604-9BFC-23ADF68A37D5}"/>
-              </a:ext>
-            </a:extLst>
-          </p:cNvPr>
-          <p:cNvCxnSpPr>
-            <a:cxnSpLocks/>
-            <a:stCxn id="26" idx="3"/>
-            <a:endCxn id="12" idx="1"/>
-          </p:cNvCxnSpPr>
-          <p:nvPr/>
-        </p:nvCxnSpPr>
-        <p:spPr>
-          <a:xfrm>
-            <a:off x="4903458" y="3367650"/>
-            <a:ext cx="4580275" cy="353133"/>
-          </a:xfrm>
-          <a:prstGeom prst="line">
-            <a:avLst/>
-          </a:prstGeom>
-          <a:ln w="38100">
-            <a:solidFill>
-              <a:srgbClr val="C00000"/>
-            </a:solidFill>
-          </a:ln>
-        </p:spPr>
-        <p:style>
-          <a:lnRef idx="1">
-            <a:schemeClr val="accent1"/>
-          </a:lnRef>
-          <a:fillRef idx="0">
-            <a:schemeClr val="accent1"/>
-          </a:fillRef>
-          <a:effectRef idx="0">
-            <a:schemeClr val="accent1"/>
-          </a:effectRef>
-          <a:fontRef idx="minor">
-            <a:schemeClr val="tx1"/>
-          </a:fontRef>
-        </p:style>
-      </p:cxnSp>
-      <p:pic>
-        <p:nvPicPr>
-          <p:cNvPr id="18" name="Picture 17" descr="Chart&#10;&#10;Description automatically generated">
-            <a:extLst>
-              <a:ext uri="{FF2B5EF4-FFF2-40B4-BE49-F238E27FC236}">
-                <a16:creationId xmlns:a16="http://schemas.microsoft.com/office/drawing/2014/main" id="{76337079-67FF-47A6-86C4-CA9163C9C070}"/>
-              </a:ext>
-            </a:extLst>
-          </p:cNvPr>
-          <p:cNvPicPr>
-            <a:picLocks noChangeAspect="1"/>
-          </p:cNvPicPr>
-          <p:nvPr/>
-        </p:nvPicPr>
-        <p:blipFill rotWithShape="1">
-          <a:blip r:embed="rId3"/>
-          <a:srcRect t="23589" r="37104"/>
-          <a:stretch/>
-        </p:blipFill>
-        <p:spPr>
-          <a:xfrm>
-            <a:off x="4067175" y="4397395"/>
-            <a:ext cx="3137235" cy="2460605"/>
-          </a:xfrm>
-          <a:prstGeom prst="rect">
-            <a:avLst/>
-          </a:prstGeom>
-        </p:spPr>
-      </p:pic>
-      <p:pic>
-        <p:nvPicPr>
-          <p:cNvPr id="24" name="Picture 23" descr="Chart&#10;&#10;Description automatically generated">
-            <a:extLst>
-              <a:ext uri="{FF2B5EF4-FFF2-40B4-BE49-F238E27FC236}">
-                <a16:creationId xmlns:a16="http://schemas.microsoft.com/office/drawing/2014/main" id="{D67E1F78-9C9A-4E60-BF56-AE5E39DA4477}"/>
-              </a:ext>
-            </a:extLst>
-          </p:cNvPr>
-          <p:cNvPicPr>
-            <a:picLocks noChangeAspect="1"/>
-          </p:cNvPicPr>
-          <p:nvPr/>
-        </p:nvPicPr>
-        <p:blipFill rotWithShape="1">
-          <a:blip r:embed="rId3"/>
-          <a:srcRect l="62264" b="64211"/>
-          <a:stretch/>
-        </p:blipFill>
-        <p:spPr>
-          <a:xfrm>
-            <a:off x="1455291" y="4952699"/>
-            <a:ext cx="2507225" cy="1535138"/>
-          </a:xfrm>
-          <a:prstGeom prst="rect">
-            <a:avLst/>
-          </a:prstGeom>
-        </p:spPr>
-      </p:pic>
-    </p:spTree>
-    <p:extLst>
-      <p:ext uri="{BB962C8B-B14F-4D97-AF65-F5344CB8AC3E}">
-        <p14:creationId xmlns:p14="http://schemas.microsoft.com/office/powerpoint/2010/main" val="3641831577"/>
-      </p:ext>
-    </p:extLst>
-  </p:cSld>
-  <p:clrMapOvr>
-    <a:masterClrMapping/>
-  </p:clrMapOvr>
-</p:sld>
-</file>
-
-<file path=ppt/slides/slide19.xml><?xml version="1.0" encoding="utf-8"?>
-<p:sld xmlns:a="http://schemas.openxmlformats.org/drawingml/2006/main" xmlns:r="http://schemas.openxmlformats.org/officeDocument/2006/relationships" xmlns:p="http://schemas.openxmlformats.org/presentationml/2006/main">
-  <p:cSld>
-    <p:spTree>
-      <p:nvGrpSpPr>
-        <p:cNvPr id="1" name=""/>
-        <p:cNvGrpSpPr/>
-        <p:nvPr/>
-      </p:nvGrpSpPr>
-      <p:grpSpPr>
-        <a:xfrm>
-          <a:off x="0" y="0"/>
-          <a:ext cx="0" cy="0"/>
-          <a:chOff x="0" y="0"/>
-          <a:chExt cx="0" cy="0"/>
-        </a:xfrm>
-      </p:grpSpPr>
-      <p:pic>
-        <p:nvPicPr>
-          <p:cNvPr id="4" name="Picture 3" descr="Graphical user interface&#10;&#10;Description automatically generated">
-            <a:extLst>
-              <a:ext uri="{FF2B5EF4-FFF2-40B4-BE49-F238E27FC236}">
-                <a16:creationId xmlns:a16="http://schemas.microsoft.com/office/drawing/2014/main" id="{D964716F-13D0-4EF2-A34D-9318CED17A9E}"/>
-              </a:ext>
-            </a:extLst>
-          </p:cNvPr>
-          <p:cNvPicPr>
-            <a:picLocks noChangeAspect="1"/>
-          </p:cNvPicPr>
-          <p:nvPr/>
-        </p:nvPicPr>
-        <p:blipFill>
-          <a:blip r:embed="rId2"/>
-          <a:stretch>
-            <a:fillRect/>
-          </a:stretch>
-        </p:blipFill>
-        <p:spPr>
-          <a:xfrm>
-            <a:off x="5160633" y="1777837"/>
-            <a:ext cx="7031367" cy="5080163"/>
-          </a:xfrm>
-          <a:prstGeom prst="rect">
-            <a:avLst/>
-          </a:prstGeom>
-        </p:spPr>
-      </p:pic>
-      <p:sp>
-        <p:nvSpPr>
-          <p:cNvPr id="26" name="TextBox 25">
-            <a:extLst>
-              <a:ext uri="{FF2B5EF4-FFF2-40B4-BE49-F238E27FC236}">
-                <a16:creationId xmlns:a16="http://schemas.microsoft.com/office/drawing/2014/main" id="{79BC6823-67A6-4630-AD90-4ADC4C4319E1}"/>
-              </a:ext>
-            </a:extLst>
-          </p:cNvPr>
-          <p:cNvSpPr txBox="1"/>
-          <p:nvPr/>
-        </p:nvSpPr>
-        <p:spPr>
-          <a:xfrm>
-            <a:off x="285750" y="1782600"/>
-            <a:ext cx="4617708" cy="2554545"/>
-          </a:xfrm>
-          <a:prstGeom prst="rect">
-            <a:avLst/>
-          </a:prstGeom>
-          <a:noFill/>
-        </p:spPr>
-        <p:txBody>
-          <a:bodyPr wrap="square">
-            <a:spAutoFit/>
-          </a:bodyPr>
-          <a:lstStyle/>
-          <a:p>
-            <a:pPr marL="342900" indent="-342900">
-              <a:buFontTx/>
-              <a:buChar char="-"/>
-            </a:pPr>
-            <a:r>
-              <a:rPr lang="en-US" sz="2000" b="1" dirty="0"/>
-              <a:t>Y</a:t>
-            </a:r>
-            <a:r>
-              <a:rPr lang="ko-KR" altLang="en-US" sz="2000" b="1" dirty="0"/>
-              <a:t>축 설정</a:t>
-            </a:r>
-            <a:endParaRPr lang="en-US" altLang="ko-KR" sz="2000" b="1" dirty="0"/>
-          </a:p>
-          <a:p>
-            <a:pPr marL="800100" lvl="1" indent="-342900">
-              <a:buFontTx/>
-              <a:buChar char="-"/>
-            </a:pPr>
-            <a:r>
-              <a:rPr lang="en-US" sz="2000" dirty="0"/>
-              <a:t>X</a:t>
-            </a:r>
-            <a:r>
-              <a:rPr lang="ko-KR" altLang="en-US" sz="2000" dirty="0"/>
-              <a:t>축과 대체로 동일</a:t>
-            </a:r>
-            <a:endParaRPr lang="en-US" altLang="ko-KR" sz="2000" dirty="0"/>
-          </a:p>
-          <a:p>
-            <a:pPr marL="800100" lvl="1" indent="-342900">
-              <a:buFontTx/>
-              <a:buChar char="-"/>
-            </a:pPr>
-            <a:r>
-              <a:rPr lang="en-US" sz="2000" dirty="0"/>
-              <a:t>Axis:</a:t>
-            </a:r>
-          </a:p>
-          <a:p>
-            <a:pPr marL="1257300" lvl="2" indent="-342900">
-              <a:buFontTx/>
-              <a:buChar char="-"/>
-            </a:pPr>
-            <a:r>
-              <a:rPr lang="en-US" sz="2000" dirty="0" err="1"/>
-              <a:t>angVel</a:t>
-            </a:r>
-            <a:r>
-              <a:rPr lang="en-US" sz="2000" dirty="0"/>
-              <a:t>: </a:t>
-            </a:r>
-            <a:r>
-              <a:rPr lang="ko-KR" altLang="en-US" sz="2000" dirty="0"/>
-              <a:t>각속도</a:t>
-            </a:r>
-            <a:endParaRPr lang="en-US" altLang="ko-KR" sz="2000" dirty="0"/>
-          </a:p>
-          <a:p>
-            <a:pPr marL="1257300" lvl="2" indent="-342900">
-              <a:buFontTx/>
-              <a:buChar char="-"/>
-            </a:pPr>
-            <a:r>
-              <a:rPr lang="en-US" sz="2000" dirty="0"/>
-              <a:t>area: </a:t>
-            </a:r>
-            <a:r>
-              <a:rPr lang="ko-KR" altLang="en-US" sz="2000" dirty="0"/>
-              <a:t>정규화 된 면적</a:t>
-            </a:r>
-            <a:endParaRPr lang="en-US" altLang="ko-KR" sz="2000" dirty="0"/>
-          </a:p>
-          <a:p>
-            <a:pPr marL="1257300" lvl="2" indent="-342900">
-              <a:buFontTx/>
-              <a:buChar char="-"/>
-            </a:pPr>
-            <a:r>
-              <a:rPr lang="en-US" sz="2000" dirty="0" err="1"/>
-              <a:t>axRatio</a:t>
-            </a:r>
-            <a:r>
-              <a:rPr lang="en-US" sz="2000" dirty="0"/>
-              <a:t>: </a:t>
-            </a:r>
-            <a:r>
-              <a:rPr lang="ko-KR" altLang="en-US" sz="2000" dirty="0"/>
-              <a:t>장축</a:t>
-            </a:r>
-            <a:r>
-              <a:rPr lang="en-US" altLang="ko-KR" sz="2000" dirty="0"/>
-              <a:t>/</a:t>
-            </a:r>
-            <a:r>
-              <a:rPr lang="ko-KR" altLang="en-US" sz="2000" dirty="0"/>
-              <a:t>단축 비율</a:t>
-            </a:r>
-            <a:endParaRPr lang="en-US" altLang="ko-KR" sz="2000" dirty="0"/>
-          </a:p>
-          <a:p>
-            <a:pPr marL="800100" lvl="1" indent="-342900">
-              <a:buFontTx/>
-              <a:buChar char="-"/>
-            </a:pPr>
-            <a:r>
-              <a:rPr lang="en-US" altLang="ko-KR" sz="2000" dirty="0" err="1"/>
-              <a:t>angVel</a:t>
-            </a:r>
-            <a:r>
-              <a:rPr lang="en-US" altLang="ko-KR" sz="2000" dirty="0"/>
-              <a:t> </a:t>
-            </a:r>
-            <a:r>
-              <a:rPr lang="ko-KR" altLang="en-US" sz="2000" dirty="0"/>
-              <a:t>선택시 </a:t>
-            </a:r>
-            <a:r>
-              <a:rPr lang="en-US" altLang="ko-KR" sz="2000" dirty="0"/>
-              <a:t>x</a:t>
-            </a:r>
-            <a:r>
-              <a:rPr lang="ko-KR" altLang="en-US" sz="2000" dirty="0"/>
-              <a:t>축 선택을 </a:t>
-            </a:r>
-            <a:r>
-              <a:rPr lang="en-US" altLang="ko-KR" sz="2000" dirty="0"/>
-              <a:t>frame</a:t>
-            </a:r>
-            <a:r>
-              <a:rPr lang="ko-KR" altLang="en-US" sz="2000" dirty="0"/>
-              <a:t>으로 할 수 없음</a:t>
-            </a:r>
-            <a:endParaRPr lang="en-US" altLang="ko-KR" sz="2000" dirty="0"/>
-          </a:p>
-        </p:txBody>
-      </p:sp>
-      <p:sp>
-        <p:nvSpPr>
-          <p:cNvPr id="2" name="Title 1">
-            <a:extLst>
-              <a:ext uri="{FF2B5EF4-FFF2-40B4-BE49-F238E27FC236}">
-                <a16:creationId xmlns:a16="http://schemas.microsoft.com/office/drawing/2014/main" id="{CDBC1728-83B9-4A87-8D5D-8609F6ED2FD8}"/>
-              </a:ext>
-            </a:extLst>
-          </p:cNvPr>
-          <p:cNvSpPr>
-            <a:spLocks noGrp="1"/>
-          </p:cNvSpPr>
-          <p:nvPr>
-            <p:ph type="title"/>
-          </p:nvPr>
-        </p:nvSpPr>
-        <p:spPr>
-          <a:xfrm>
-            <a:off x="838200" y="355600"/>
-            <a:ext cx="10515600" cy="1325563"/>
-          </a:xfrm>
-        </p:spPr>
-        <p:txBody>
-          <a:bodyPr/>
-          <a:lstStyle/>
-          <a:p>
-            <a:r>
-              <a:rPr lang="en-US" altLang="ko-KR" dirty="0"/>
-              <a:t>GUI </a:t>
-            </a:r>
-            <a:r>
-              <a:rPr lang="ko-KR" altLang="en-US" dirty="0"/>
-              <a:t>레이아웃 </a:t>
-            </a:r>
-            <a:r>
-              <a:rPr lang="en-US" altLang="ko-KR" dirty="0"/>
-              <a:t>– Plotting</a:t>
-            </a:r>
-            <a:r>
-              <a:rPr lang="ko-KR" altLang="en-US" dirty="0"/>
-              <a:t> </a:t>
-            </a:r>
-            <a:r>
-              <a:rPr lang="en-US" altLang="ko-KR" sz="4400" dirty="0"/>
-              <a:t>window</a:t>
-            </a:r>
-            <a:endParaRPr lang="en-US" dirty="0"/>
-          </a:p>
-        </p:txBody>
-      </p:sp>
-      <p:sp>
-        <p:nvSpPr>
-          <p:cNvPr id="12" name="Rectangle 11">
-            <a:extLst>
-              <a:ext uri="{FF2B5EF4-FFF2-40B4-BE49-F238E27FC236}">
-                <a16:creationId xmlns:a16="http://schemas.microsoft.com/office/drawing/2014/main" id="{00691223-8F4B-420E-977A-D7C70335BB1B}"/>
-              </a:ext>
-            </a:extLst>
-          </p:cNvPr>
-          <p:cNvSpPr/>
-          <p:nvPr/>
-        </p:nvSpPr>
-        <p:spPr>
-          <a:xfrm>
-            <a:off x="9483733" y="4180923"/>
-            <a:ext cx="2584442" cy="1172128"/>
-          </a:xfrm>
-          <a:prstGeom prst="rect">
-            <a:avLst/>
-          </a:prstGeom>
-          <a:noFill/>
-          <a:ln w="38100">
-            <a:solidFill>
-              <a:srgbClr val="C00000"/>
-            </a:solidFill>
-          </a:ln>
-        </p:spPr>
-        <p:style>
-          <a:lnRef idx="2">
-            <a:schemeClr val="dk1">
-              <a:shade val="50000"/>
-            </a:schemeClr>
-          </a:lnRef>
-          <a:fillRef idx="1">
-            <a:schemeClr val="dk1"/>
-          </a:fillRef>
-          <a:effectRef idx="0">
-            <a:schemeClr val="dk1"/>
-          </a:effectRef>
-          <a:fontRef idx="minor">
-            <a:schemeClr val="lt1"/>
-          </a:fontRef>
-        </p:style>
-        <p:txBody>
-          <a:bodyPr rtlCol="0" anchor="ctr"/>
-          <a:lstStyle/>
-          <a:p>
-            <a:pPr algn="ctr"/>
-            <a:endParaRPr lang="en-US"/>
-          </a:p>
-        </p:txBody>
-      </p:sp>
-      <p:cxnSp>
-        <p:nvCxnSpPr>
-          <p:cNvPr id="13" name="Straight Connector 12">
-            <a:extLst>
-              <a:ext uri="{FF2B5EF4-FFF2-40B4-BE49-F238E27FC236}">
-                <a16:creationId xmlns:a16="http://schemas.microsoft.com/office/drawing/2014/main" id="{EE29F99E-D266-4604-9BFC-23ADF68A37D5}"/>
-              </a:ext>
-            </a:extLst>
-          </p:cNvPr>
-          <p:cNvCxnSpPr>
-            <a:cxnSpLocks/>
-            <a:stCxn id="26" idx="3"/>
-            <a:endCxn id="12" idx="1"/>
-          </p:cNvCxnSpPr>
-          <p:nvPr/>
-        </p:nvCxnSpPr>
-        <p:spPr>
-          <a:xfrm>
-            <a:off x="4903458" y="3059873"/>
-            <a:ext cx="4580275" cy="1707114"/>
-          </a:xfrm>
-          <a:prstGeom prst="line">
-            <a:avLst/>
-          </a:prstGeom>
-          <a:ln w="38100">
-            <a:solidFill>
-              <a:srgbClr val="C00000"/>
-            </a:solidFill>
-          </a:ln>
-        </p:spPr>
-        <p:style>
-          <a:lnRef idx="1">
-            <a:schemeClr val="accent1"/>
-          </a:lnRef>
-          <a:fillRef idx="0">
-            <a:schemeClr val="accent1"/>
-          </a:fillRef>
-          <a:effectRef idx="0">
-            <a:schemeClr val="accent1"/>
-          </a:effectRef>
-          <a:fontRef idx="minor">
-            <a:schemeClr val="tx1"/>
-          </a:fontRef>
-        </p:style>
-      </p:cxnSp>
-    </p:spTree>
-    <p:extLst>
-      <p:ext uri="{BB962C8B-B14F-4D97-AF65-F5344CB8AC3E}">
-        <p14:creationId xmlns:p14="http://schemas.microsoft.com/office/powerpoint/2010/main" val="3461878437"/>
       </p:ext>
     </p:extLst>
   </p:cSld>
@@ -10627,6 +10319,823 @@
         </p:nvPicPr>
         <p:blipFill rotWithShape="1">
           <a:blip r:embed="rId2"/>
+          <a:srcRect l="50013"/>
+          <a:stretch/>
+        </p:blipFill>
+        <p:spPr>
+          <a:xfrm>
+            <a:off x="8677275" y="1777837"/>
+            <a:ext cx="3514725" cy="5080163"/>
+          </a:xfrm>
+          <a:prstGeom prst="rect">
+            <a:avLst/>
+          </a:prstGeom>
+        </p:spPr>
+      </p:pic>
+      <p:sp>
+        <p:nvSpPr>
+          <p:cNvPr id="26" name="TextBox 25">
+            <a:extLst>
+              <a:ext uri="{FF2B5EF4-FFF2-40B4-BE49-F238E27FC236}">
+                <a16:creationId xmlns:a16="http://schemas.microsoft.com/office/drawing/2014/main" id="{79BC6823-67A6-4630-AD90-4ADC4C4319E1}"/>
+              </a:ext>
+            </a:extLst>
+          </p:cNvPr>
+          <p:cNvSpPr txBox="1"/>
+          <p:nvPr/>
+        </p:nvSpPr>
+        <p:spPr>
+          <a:xfrm>
+            <a:off x="285750" y="1782600"/>
+            <a:ext cx="4617708" cy="3170099"/>
+          </a:xfrm>
+          <a:prstGeom prst="rect">
+            <a:avLst/>
+          </a:prstGeom>
+          <a:noFill/>
+        </p:spPr>
+        <p:txBody>
+          <a:bodyPr wrap="square">
+            <a:spAutoFit/>
+          </a:bodyPr>
+          <a:lstStyle/>
+          <a:p>
+            <a:pPr marL="342900" indent="-342900">
+              <a:buFontTx/>
+              <a:buChar char="-"/>
+            </a:pPr>
+            <a:r>
+              <a:rPr lang="en-US" sz="2000" b="1" dirty="0"/>
+              <a:t>X</a:t>
+            </a:r>
+            <a:r>
+              <a:rPr lang="ko-KR" altLang="en-US" sz="2000" b="1" dirty="0"/>
+              <a:t>축 설정</a:t>
+            </a:r>
+            <a:endParaRPr lang="en-US" altLang="ko-KR" sz="2000" b="1" dirty="0"/>
+          </a:p>
+          <a:p>
+            <a:pPr marL="800100" lvl="1" indent="-342900">
+              <a:buFontTx/>
+              <a:buChar char="-"/>
+            </a:pPr>
+            <a:r>
+              <a:rPr lang="en-US" altLang="ko-KR" sz="2000" dirty="0"/>
+              <a:t>Axis: </a:t>
+            </a:r>
+            <a:r>
+              <a:rPr lang="ko-KR" altLang="en-US" sz="2000" dirty="0"/>
+              <a:t>택</a:t>
+            </a:r>
+            <a:r>
+              <a:rPr lang="en-US" altLang="ko-KR" sz="2000" dirty="0"/>
+              <a:t>1 (time, frame, frequency)</a:t>
+            </a:r>
+          </a:p>
+          <a:p>
+            <a:pPr marL="1257300" lvl="2" indent="-342900">
+              <a:buFontTx/>
+              <a:buChar char="-"/>
+            </a:pPr>
+            <a:r>
+              <a:rPr lang="en-US" altLang="ko-KR" sz="2000" dirty="0"/>
+              <a:t>Frequency </a:t>
+            </a:r>
+            <a:r>
+              <a:rPr lang="ko-KR" altLang="en-US" sz="2000" dirty="0"/>
+              <a:t>선택시 </a:t>
+            </a:r>
+            <a:r>
+              <a:rPr lang="en-US" altLang="ko-KR" sz="2000" dirty="0"/>
+              <a:t>FFT </a:t>
+            </a:r>
+            <a:r>
+              <a:rPr lang="ko-KR" altLang="en-US" sz="2000" dirty="0"/>
+              <a:t>처리</a:t>
+            </a:r>
+            <a:endParaRPr lang="en-US" altLang="ko-KR" sz="2000" dirty="0"/>
+          </a:p>
+          <a:p>
+            <a:pPr marL="800100" lvl="1" indent="-342900">
+              <a:buFontTx/>
+              <a:buChar char="-"/>
+            </a:pPr>
+            <a:r>
+              <a:rPr lang="en-US" altLang="ko-KR" sz="2000" dirty="0"/>
+              <a:t>Range, grid, label:</a:t>
+            </a:r>
+            <a:br>
+              <a:rPr lang="en-US" altLang="ko-KR" sz="2000" dirty="0"/>
+            </a:br>
+            <a:r>
+              <a:rPr lang="en-US" altLang="ko-KR" sz="2000" dirty="0"/>
+              <a:t>Auto </a:t>
+            </a:r>
+            <a:r>
+              <a:rPr lang="ko-KR" altLang="en-US" sz="2000" dirty="0"/>
+              <a:t>체크박스 해제해서 수정</a:t>
+            </a:r>
+            <a:endParaRPr lang="en-US" altLang="ko-KR" sz="2000" dirty="0"/>
+          </a:p>
+          <a:p>
+            <a:pPr marL="800100" lvl="1" indent="-342900">
+              <a:buFontTx/>
+              <a:buChar char="-"/>
+            </a:pPr>
+            <a:r>
+              <a:rPr lang="en-US" altLang="ko-KR" sz="2000" dirty="0"/>
+              <a:t>Grid </a:t>
+            </a:r>
+            <a:r>
+              <a:rPr lang="ko-KR" altLang="en-US" sz="2000" dirty="0"/>
+              <a:t>설정 방법</a:t>
+            </a:r>
+            <a:r>
+              <a:rPr lang="en-US" altLang="ko-KR" sz="2000" dirty="0"/>
+              <a:t>:</a:t>
+            </a:r>
+          </a:p>
+          <a:p>
+            <a:pPr marL="1257300" lvl="2" indent="-342900">
+              <a:buFontTx/>
+              <a:buChar char="-"/>
+            </a:pPr>
+            <a:r>
+              <a:rPr lang="en-US" altLang="ko-KR" sz="2000" dirty="0"/>
+              <a:t>From: </a:t>
+            </a:r>
+            <a:r>
+              <a:rPr lang="ko-KR" altLang="en-US" sz="2000" dirty="0"/>
+              <a:t>첫 </a:t>
+            </a:r>
+            <a:r>
+              <a:rPr lang="en-US" altLang="ko-KR" sz="2000" dirty="0"/>
+              <a:t>grid</a:t>
+            </a:r>
+          </a:p>
+          <a:p>
+            <a:pPr marL="1257300" lvl="2" indent="-342900">
+              <a:buFontTx/>
+              <a:buChar char="-"/>
+            </a:pPr>
+            <a:r>
+              <a:rPr lang="en-US" altLang="ko-KR" sz="2000" dirty="0"/>
+              <a:t>To:</a:t>
+            </a:r>
+            <a:r>
+              <a:rPr lang="ko-KR" altLang="en-US" sz="2000" dirty="0"/>
+              <a:t> 마지막</a:t>
+            </a:r>
+            <a:r>
+              <a:rPr lang="en-US" altLang="ko-KR" sz="2000" dirty="0"/>
+              <a:t> grid</a:t>
+            </a:r>
+          </a:p>
+          <a:p>
+            <a:pPr marL="1257300" lvl="2" indent="-342900">
+              <a:buFontTx/>
+              <a:buChar char="-"/>
+            </a:pPr>
+            <a:r>
+              <a:rPr lang="en-US" altLang="ko-KR" sz="2000" dirty="0"/>
+              <a:t>Count: grid </a:t>
+            </a:r>
+            <a:r>
+              <a:rPr lang="ko-KR" altLang="en-US" sz="2000" dirty="0"/>
+              <a:t>갯수</a:t>
+            </a:r>
+            <a:endParaRPr lang="en-US" altLang="ko-KR" sz="2000" dirty="0"/>
+          </a:p>
+          <a:p>
+            <a:pPr marL="1257300" lvl="2" indent="-342900">
+              <a:buFontTx/>
+              <a:buChar char="-"/>
+            </a:pPr>
+            <a:r>
+              <a:rPr lang="en-US" altLang="ko-KR" sz="2000" dirty="0"/>
+              <a:t>Ex: </a:t>
+            </a:r>
+          </a:p>
+        </p:txBody>
+      </p:sp>
+      <p:sp>
+        <p:nvSpPr>
+          <p:cNvPr id="2" name="Title 1">
+            <a:extLst>
+              <a:ext uri="{FF2B5EF4-FFF2-40B4-BE49-F238E27FC236}">
+                <a16:creationId xmlns:a16="http://schemas.microsoft.com/office/drawing/2014/main" id="{CDBC1728-83B9-4A87-8D5D-8609F6ED2FD8}"/>
+              </a:ext>
+            </a:extLst>
+          </p:cNvPr>
+          <p:cNvSpPr>
+            <a:spLocks noGrp="1"/>
+          </p:cNvSpPr>
+          <p:nvPr>
+            <p:ph type="title"/>
+          </p:nvPr>
+        </p:nvSpPr>
+        <p:spPr/>
+        <p:txBody>
+          <a:bodyPr/>
+          <a:lstStyle/>
+          <a:p>
+            <a:r>
+              <a:rPr lang="en-US" altLang="ko-KR" dirty="0"/>
+              <a:t>GUI </a:t>
+            </a:r>
+            <a:r>
+              <a:rPr lang="ko-KR" altLang="en-US" dirty="0"/>
+              <a:t>레이아웃 </a:t>
+            </a:r>
+            <a:r>
+              <a:rPr lang="en-US" altLang="ko-KR" dirty="0"/>
+              <a:t>– Plotting</a:t>
+            </a:r>
+            <a:r>
+              <a:rPr lang="ko-KR" altLang="en-US" dirty="0"/>
+              <a:t> </a:t>
+            </a:r>
+            <a:r>
+              <a:rPr lang="en-US" altLang="ko-KR" sz="4400" dirty="0"/>
+              <a:t>window</a:t>
+            </a:r>
+            <a:endParaRPr lang="en-US" dirty="0"/>
+          </a:p>
+        </p:txBody>
+      </p:sp>
+      <p:sp>
+        <p:nvSpPr>
+          <p:cNvPr id="12" name="Rectangle 11">
+            <a:extLst>
+              <a:ext uri="{FF2B5EF4-FFF2-40B4-BE49-F238E27FC236}">
+                <a16:creationId xmlns:a16="http://schemas.microsoft.com/office/drawing/2014/main" id="{00691223-8F4B-420E-977A-D7C70335BB1B}"/>
+              </a:ext>
+            </a:extLst>
+          </p:cNvPr>
+          <p:cNvSpPr/>
+          <p:nvPr/>
+        </p:nvSpPr>
+        <p:spPr>
+          <a:xfrm>
+            <a:off x="9483733" y="3123648"/>
+            <a:ext cx="2584442" cy="1194270"/>
+          </a:xfrm>
+          <a:prstGeom prst="rect">
+            <a:avLst/>
+          </a:prstGeom>
+          <a:noFill/>
+          <a:ln w="38100">
+            <a:solidFill>
+              <a:srgbClr val="C00000"/>
+            </a:solidFill>
+          </a:ln>
+        </p:spPr>
+        <p:style>
+          <a:lnRef idx="2">
+            <a:schemeClr val="dk1">
+              <a:shade val="50000"/>
+            </a:schemeClr>
+          </a:lnRef>
+          <a:fillRef idx="1">
+            <a:schemeClr val="dk1"/>
+          </a:fillRef>
+          <a:effectRef idx="0">
+            <a:schemeClr val="dk1"/>
+          </a:effectRef>
+          <a:fontRef idx="minor">
+            <a:schemeClr val="lt1"/>
+          </a:fontRef>
+        </p:style>
+        <p:txBody>
+          <a:bodyPr rtlCol="0" anchor="ctr"/>
+          <a:lstStyle/>
+          <a:p>
+            <a:pPr algn="ctr"/>
+            <a:endParaRPr lang="en-US"/>
+          </a:p>
+        </p:txBody>
+      </p:sp>
+      <p:cxnSp>
+        <p:nvCxnSpPr>
+          <p:cNvPr id="13" name="Straight Connector 12">
+            <a:extLst>
+              <a:ext uri="{FF2B5EF4-FFF2-40B4-BE49-F238E27FC236}">
+                <a16:creationId xmlns:a16="http://schemas.microsoft.com/office/drawing/2014/main" id="{EE29F99E-D266-4604-9BFC-23ADF68A37D5}"/>
+              </a:ext>
+            </a:extLst>
+          </p:cNvPr>
+          <p:cNvCxnSpPr>
+            <a:cxnSpLocks/>
+            <a:stCxn id="26" idx="3"/>
+            <a:endCxn id="12" idx="1"/>
+          </p:cNvCxnSpPr>
+          <p:nvPr/>
+        </p:nvCxnSpPr>
+        <p:spPr>
+          <a:xfrm>
+            <a:off x="4903458" y="3367650"/>
+            <a:ext cx="4580275" cy="353133"/>
+          </a:xfrm>
+          <a:prstGeom prst="line">
+            <a:avLst/>
+          </a:prstGeom>
+          <a:ln w="38100">
+            <a:solidFill>
+              <a:srgbClr val="C00000"/>
+            </a:solidFill>
+          </a:ln>
+        </p:spPr>
+        <p:style>
+          <a:lnRef idx="1">
+            <a:schemeClr val="accent1"/>
+          </a:lnRef>
+          <a:fillRef idx="0">
+            <a:schemeClr val="accent1"/>
+          </a:fillRef>
+          <a:effectRef idx="0">
+            <a:schemeClr val="accent1"/>
+          </a:effectRef>
+          <a:fontRef idx="minor">
+            <a:schemeClr val="tx1"/>
+          </a:fontRef>
+        </p:style>
+      </p:cxnSp>
+      <p:pic>
+        <p:nvPicPr>
+          <p:cNvPr id="18" name="Picture 17" descr="Chart&#10;&#10;Description automatically generated">
+            <a:extLst>
+              <a:ext uri="{FF2B5EF4-FFF2-40B4-BE49-F238E27FC236}">
+                <a16:creationId xmlns:a16="http://schemas.microsoft.com/office/drawing/2014/main" id="{76337079-67FF-47A6-86C4-CA9163C9C070}"/>
+              </a:ext>
+            </a:extLst>
+          </p:cNvPr>
+          <p:cNvPicPr>
+            <a:picLocks noChangeAspect="1"/>
+          </p:cNvPicPr>
+          <p:nvPr/>
+        </p:nvPicPr>
+        <p:blipFill rotWithShape="1">
+          <a:blip r:embed="rId3"/>
+          <a:srcRect t="23589" r="37104"/>
+          <a:stretch/>
+        </p:blipFill>
+        <p:spPr>
+          <a:xfrm>
+            <a:off x="4067175" y="4397395"/>
+            <a:ext cx="3137235" cy="2460605"/>
+          </a:xfrm>
+          <a:prstGeom prst="rect">
+            <a:avLst/>
+          </a:prstGeom>
+        </p:spPr>
+      </p:pic>
+      <p:pic>
+        <p:nvPicPr>
+          <p:cNvPr id="24" name="Picture 23" descr="Chart&#10;&#10;Description automatically generated">
+            <a:extLst>
+              <a:ext uri="{FF2B5EF4-FFF2-40B4-BE49-F238E27FC236}">
+                <a16:creationId xmlns:a16="http://schemas.microsoft.com/office/drawing/2014/main" id="{D67E1F78-9C9A-4E60-BF56-AE5E39DA4477}"/>
+              </a:ext>
+            </a:extLst>
+          </p:cNvPr>
+          <p:cNvPicPr>
+            <a:picLocks noChangeAspect="1"/>
+          </p:cNvPicPr>
+          <p:nvPr/>
+        </p:nvPicPr>
+        <p:blipFill rotWithShape="1">
+          <a:blip r:embed="rId3"/>
+          <a:srcRect l="62264" b="64211"/>
+          <a:stretch/>
+        </p:blipFill>
+        <p:spPr>
+          <a:xfrm>
+            <a:off x="1455291" y="4952699"/>
+            <a:ext cx="2507225" cy="1535138"/>
+          </a:xfrm>
+          <a:prstGeom prst="rect">
+            <a:avLst/>
+          </a:prstGeom>
+        </p:spPr>
+      </p:pic>
+    </p:spTree>
+    <p:extLst>
+      <p:ext uri="{BB962C8B-B14F-4D97-AF65-F5344CB8AC3E}">
+        <p14:creationId xmlns:p14="http://schemas.microsoft.com/office/powerpoint/2010/main" val="3641831577"/>
+      </p:ext>
+    </p:extLst>
+  </p:cSld>
+  <p:clrMapOvr>
+    <a:masterClrMapping/>
+  </p:clrMapOvr>
+</p:sld>
+</file>
+
+<file path=ppt/slides/slide21.xml><?xml version="1.0" encoding="utf-8"?>
+<p:sld xmlns:a="http://schemas.openxmlformats.org/drawingml/2006/main" xmlns:r="http://schemas.openxmlformats.org/officeDocument/2006/relationships" xmlns:p="http://schemas.openxmlformats.org/presentationml/2006/main">
+  <p:cSld>
+    <p:spTree>
+      <p:nvGrpSpPr>
+        <p:cNvPr id="1" name=""/>
+        <p:cNvGrpSpPr/>
+        <p:nvPr/>
+      </p:nvGrpSpPr>
+      <p:grpSpPr>
+        <a:xfrm>
+          <a:off x="0" y="0"/>
+          <a:ext cx="0" cy="0"/>
+          <a:chOff x="0" y="0"/>
+          <a:chExt cx="0" cy="0"/>
+        </a:xfrm>
+      </p:grpSpPr>
+      <p:pic>
+        <p:nvPicPr>
+          <p:cNvPr id="4" name="Picture 3" descr="Graphical user interface&#10;&#10;Description automatically generated">
+            <a:extLst>
+              <a:ext uri="{FF2B5EF4-FFF2-40B4-BE49-F238E27FC236}">
+                <a16:creationId xmlns:a16="http://schemas.microsoft.com/office/drawing/2014/main" id="{D964716F-13D0-4EF2-A34D-9318CED17A9E}"/>
+              </a:ext>
+            </a:extLst>
+          </p:cNvPr>
+          <p:cNvPicPr>
+            <a:picLocks noChangeAspect="1"/>
+          </p:cNvPicPr>
+          <p:nvPr/>
+        </p:nvPicPr>
+        <p:blipFill>
+          <a:blip r:embed="rId2"/>
+          <a:stretch>
+            <a:fillRect/>
+          </a:stretch>
+        </p:blipFill>
+        <p:spPr>
+          <a:xfrm>
+            <a:off x="5160633" y="1777837"/>
+            <a:ext cx="7031367" cy="5080163"/>
+          </a:xfrm>
+          <a:prstGeom prst="rect">
+            <a:avLst/>
+          </a:prstGeom>
+        </p:spPr>
+      </p:pic>
+      <p:sp>
+        <p:nvSpPr>
+          <p:cNvPr id="26" name="TextBox 25">
+            <a:extLst>
+              <a:ext uri="{FF2B5EF4-FFF2-40B4-BE49-F238E27FC236}">
+                <a16:creationId xmlns:a16="http://schemas.microsoft.com/office/drawing/2014/main" id="{79BC6823-67A6-4630-AD90-4ADC4C4319E1}"/>
+              </a:ext>
+            </a:extLst>
+          </p:cNvPr>
+          <p:cNvSpPr txBox="1"/>
+          <p:nvPr/>
+        </p:nvSpPr>
+        <p:spPr>
+          <a:xfrm>
+            <a:off x="285750" y="1782600"/>
+            <a:ext cx="4617708" cy="2554545"/>
+          </a:xfrm>
+          <a:prstGeom prst="rect">
+            <a:avLst/>
+          </a:prstGeom>
+          <a:noFill/>
+        </p:spPr>
+        <p:txBody>
+          <a:bodyPr wrap="square">
+            <a:spAutoFit/>
+          </a:bodyPr>
+          <a:lstStyle/>
+          <a:p>
+            <a:pPr marL="342900" indent="-342900">
+              <a:buFontTx/>
+              <a:buChar char="-"/>
+            </a:pPr>
+            <a:r>
+              <a:rPr lang="en-US" sz="2000" b="1" dirty="0"/>
+              <a:t>Y</a:t>
+            </a:r>
+            <a:r>
+              <a:rPr lang="ko-KR" altLang="en-US" sz="2000" b="1" dirty="0"/>
+              <a:t>축 설정</a:t>
+            </a:r>
+            <a:endParaRPr lang="en-US" altLang="ko-KR" sz="2000" b="1" dirty="0"/>
+          </a:p>
+          <a:p>
+            <a:pPr marL="800100" lvl="1" indent="-342900">
+              <a:buFontTx/>
+              <a:buChar char="-"/>
+            </a:pPr>
+            <a:r>
+              <a:rPr lang="en-US" sz="2000" dirty="0"/>
+              <a:t>X</a:t>
+            </a:r>
+            <a:r>
+              <a:rPr lang="ko-KR" altLang="en-US" sz="2000" dirty="0"/>
+              <a:t>축과 대체로 동일</a:t>
+            </a:r>
+            <a:endParaRPr lang="en-US" altLang="ko-KR" sz="2000" dirty="0"/>
+          </a:p>
+          <a:p>
+            <a:pPr marL="800100" lvl="1" indent="-342900">
+              <a:buFontTx/>
+              <a:buChar char="-"/>
+            </a:pPr>
+            <a:r>
+              <a:rPr lang="en-US" sz="2000" dirty="0"/>
+              <a:t>Axis:</a:t>
+            </a:r>
+          </a:p>
+          <a:p>
+            <a:pPr marL="1257300" lvl="2" indent="-342900">
+              <a:buFontTx/>
+              <a:buChar char="-"/>
+            </a:pPr>
+            <a:r>
+              <a:rPr lang="en-US" sz="2000" dirty="0" err="1"/>
+              <a:t>angVel</a:t>
+            </a:r>
+            <a:r>
+              <a:rPr lang="en-US" sz="2000" dirty="0"/>
+              <a:t>: </a:t>
+            </a:r>
+            <a:r>
+              <a:rPr lang="ko-KR" altLang="en-US" sz="2000" dirty="0"/>
+              <a:t>각속도</a:t>
+            </a:r>
+            <a:endParaRPr lang="en-US" altLang="ko-KR" sz="2000" dirty="0"/>
+          </a:p>
+          <a:p>
+            <a:pPr marL="1257300" lvl="2" indent="-342900">
+              <a:buFontTx/>
+              <a:buChar char="-"/>
+            </a:pPr>
+            <a:r>
+              <a:rPr lang="en-US" sz="2000" dirty="0"/>
+              <a:t>area: </a:t>
+            </a:r>
+            <a:r>
+              <a:rPr lang="ko-KR" altLang="en-US" sz="2000" dirty="0"/>
+              <a:t>정규화 된 면적</a:t>
+            </a:r>
+            <a:endParaRPr lang="en-US" altLang="ko-KR" sz="2000" dirty="0"/>
+          </a:p>
+          <a:p>
+            <a:pPr marL="1257300" lvl="2" indent="-342900">
+              <a:buFontTx/>
+              <a:buChar char="-"/>
+            </a:pPr>
+            <a:r>
+              <a:rPr lang="en-US" sz="2000" dirty="0" err="1"/>
+              <a:t>axRatio</a:t>
+            </a:r>
+            <a:r>
+              <a:rPr lang="en-US" sz="2000" dirty="0"/>
+              <a:t>: </a:t>
+            </a:r>
+            <a:r>
+              <a:rPr lang="ko-KR" altLang="en-US" sz="2000" dirty="0"/>
+              <a:t>장축</a:t>
+            </a:r>
+            <a:r>
+              <a:rPr lang="en-US" altLang="ko-KR" sz="2000" dirty="0"/>
+              <a:t>/</a:t>
+            </a:r>
+            <a:r>
+              <a:rPr lang="ko-KR" altLang="en-US" sz="2000" dirty="0"/>
+              <a:t>단축 비율</a:t>
+            </a:r>
+            <a:endParaRPr lang="en-US" altLang="ko-KR" sz="2000" dirty="0"/>
+          </a:p>
+          <a:p>
+            <a:pPr marL="800100" lvl="1" indent="-342900">
+              <a:buFontTx/>
+              <a:buChar char="-"/>
+            </a:pPr>
+            <a:r>
+              <a:rPr lang="en-US" altLang="ko-KR" sz="2000" dirty="0" err="1"/>
+              <a:t>angVel</a:t>
+            </a:r>
+            <a:r>
+              <a:rPr lang="en-US" altLang="ko-KR" sz="2000" dirty="0"/>
+              <a:t> </a:t>
+            </a:r>
+            <a:r>
+              <a:rPr lang="ko-KR" altLang="en-US" sz="2000" dirty="0"/>
+              <a:t>선택시 </a:t>
+            </a:r>
+            <a:r>
+              <a:rPr lang="en-US" altLang="ko-KR" sz="2000" dirty="0"/>
+              <a:t>x</a:t>
+            </a:r>
+            <a:r>
+              <a:rPr lang="ko-KR" altLang="en-US" sz="2000" dirty="0"/>
+              <a:t>축 선택을 </a:t>
+            </a:r>
+            <a:r>
+              <a:rPr lang="en-US" altLang="ko-KR" sz="2000" dirty="0"/>
+              <a:t>frame</a:t>
+            </a:r>
+            <a:r>
+              <a:rPr lang="ko-KR" altLang="en-US" sz="2000" dirty="0"/>
+              <a:t>으로 할 수 없음</a:t>
+            </a:r>
+            <a:endParaRPr lang="en-US" altLang="ko-KR" sz="2000" dirty="0"/>
+          </a:p>
+        </p:txBody>
+      </p:sp>
+      <p:sp>
+        <p:nvSpPr>
+          <p:cNvPr id="2" name="Title 1">
+            <a:extLst>
+              <a:ext uri="{FF2B5EF4-FFF2-40B4-BE49-F238E27FC236}">
+                <a16:creationId xmlns:a16="http://schemas.microsoft.com/office/drawing/2014/main" id="{CDBC1728-83B9-4A87-8D5D-8609F6ED2FD8}"/>
+              </a:ext>
+            </a:extLst>
+          </p:cNvPr>
+          <p:cNvSpPr>
+            <a:spLocks noGrp="1"/>
+          </p:cNvSpPr>
+          <p:nvPr>
+            <p:ph type="title"/>
+          </p:nvPr>
+        </p:nvSpPr>
+        <p:spPr>
+          <a:xfrm>
+            <a:off x="838200" y="355600"/>
+            <a:ext cx="10515600" cy="1325563"/>
+          </a:xfrm>
+        </p:spPr>
+        <p:txBody>
+          <a:bodyPr/>
+          <a:lstStyle/>
+          <a:p>
+            <a:r>
+              <a:rPr lang="en-US" altLang="ko-KR" dirty="0"/>
+              <a:t>GUI </a:t>
+            </a:r>
+            <a:r>
+              <a:rPr lang="ko-KR" altLang="en-US" dirty="0"/>
+              <a:t>레이아웃 </a:t>
+            </a:r>
+            <a:r>
+              <a:rPr lang="en-US" altLang="ko-KR" dirty="0"/>
+              <a:t>– Plotting</a:t>
+            </a:r>
+            <a:r>
+              <a:rPr lang="ko-KR" altLang="en-US" dirty="0"/>
+              <a:t> </a:t>
+            </a:r>
+            <a:r>
+              <a:rPr lang="en-US" altLang="ko-KR" sz="4400" dirty="0"/>
+              <a:t>window</a:t>
+            </a:r>
+            <a:endParaRPr lang="en-US" dirty="0"/>
+          </a:p>
+        </p:txBody>
+      </p:sp>
+      <p:sp>
+        <p:nvSpPr>
+          <p:cNvPr id="12" name="Rectangle 11">
+            <a:extLst>
+              <a:ext uri="{FF2B5EF4-FFF2-40B4-BE49-F238E27FC236}">
+                <a16:creationId xmlns:a16="http://schemas.microsoft.com/office/drawing/2014/main" id="{00691223-8F4B-420E-977A-D7C70335BB1B}"/>
+              </a:ext>
+            </a:extLst>
+          </p:cNvPr>
+          <p:cNvSpPr/>
+          <p:nvPr/>
+        </p:nvSpPr>
+        <p:spPr>
+          <a:xfrm>
+            <a:off x="9483733" y="4180923"/>
+            <a:ext cx="2584442" cy="1172128"/>
+          </a:xfrm>
+          <a:prstGeom prst="rect">
+            <a:avLst/>
+          </a:prstGeom>
+          <a:noFill/>
+          <a:ln w="38100">
+            <a:solidFill>
+              <a:srgbClr val="C00000"/>
+            </a:solidFill>
+          </a:ln>
+        </p:spPr>
+        <p:style>
+          <a:lnRef idx="2">
+            <a:schemeClr val="dk1">
+              <a:shade val="50000"/>
+            </a:schemeClr>
+          </a:lnRef>
+          <a:fillRef idx="1">
+            <a:schemeClr val="dk1"/>
+          </a:fillRef>
+          <a:effectRef idx="0">
+            <a:schemeClr val="dk1"/>
+          </a:effectRef>
+          <a:fontRef idx="minor">
+            <a:schemeClr val="lt1"/>
+          </a:fontRef>
+        </p:style>
+        <p:txBody>
+          <a:bodyPr rtlCol="0" anchor="ctr"/>
+          <a:lstStyle/>
+          <a:p>
+            <a:pPr algn="ctr"/>
+            <a:endParaRPr lang="en-US"/>
+          </a:p>
+        </p:txBody>
+      </p:sp>
+      <p:cxnSp>
+        <p:nvCxnSpPr>
+          <p:cNvPr id="13" name="Straight Connector 12">
+            <a:extLst>
+              <a:ext uri="{FF2B5EF4-FFF2-40B4-BE49-F238E27FC236}">
+                <a16:creationId xmlns:a16="http://schemas.microsoft.com/office/drawing/2014/main" id="{EE29F99E-D266-4604-9BFC-23ADF68A37D5}"/>
+              </a:ext>
+            </a:extLst>
+          </p:cNvPr>
+          <p:cNvCxnSpPr>
+            <a:cxnSpLocks/>
+            <a:stCxn id="26" idx="3"/>
+            <a:endCxn id="12" idx="1"/>
+          </p:cNvCxnSpPr>
+          <p:nvPr/>
+        </p:nvCxnSpPr>
+        <p:spPr>
+          <a:xfrm>
+            <a:off x="4903458" y="3059873"/>
+            <a:ext cx="4580275" cy="1707114"/>
+          </a:xfrm>
+          <a:prstGeom prst="line">
+            <a:avLst/>
+          </a:prstGeom>
+          <a:ln w="38100">
+            <a:solidFill>
+              <a:srgbClr val="C00000"/>
+            </a:solidFill>
+          </a:ln>
+        </p:spPr>
+        <p:style>
+          <a:lnRef idx="1">
+            <a:schemeClr val="accent1"/>
+          </a:lnRef>
+          <a:fillRef idx="0">
+            <a:schemeClr val="accent1"/>
+          </a:fillRef>
+          <a:effectRef idx="0">
+            <a:schemeClr val="accent1"/>
+          </a:effectRef>
+          <a:fontRef idx="minor">
+            <a:schemeClr val="tx1"/>
+          </a:fontRef>
+        </p:style>
+      </p:cxnSp>
+    </p:spTree>
+    <p:extLst>
+      <p:ext uri="{BB962C8B-B14F-4D97-AF65-F5344CB8AC3E}">
+        <p14:creationId xmlns:p14="http://schemas.microsoft.com/office/powerpoint/2010/main" val="3461878437"/>
+      </p:ext>
+    </p:extLst>
+  </p:cSld>
+  <p:clrMapOvr>
+    <a:masterClrMapping/>
+  </p:clrMapOvr>
+</p:sld>
+</file>
+
+<file path=ppt/slides/slide22.xml><?xml version="1.0" encoding="utf-8"?>
+<p:sld xmlns:a="http://schemas.openxmlformats.org/drawingml/2006/main" xmlns:r="http://schemas.openxmlformats.org/officeDocument/2006/relationships" xmlns:p="http://schemas.openxmlformats.org/presentationml/2006/main">
+  <p:cSld>
+    <p:spTree>
+      <p:nvGrpSpPr>
+        <p:cNvPr id="1" name=""/>
+        <p:cNvGrpSpPr/>
+        <p:nvPr/>
+      </p:nvGrpSpPr>
+      <p:grpSpPr>
+        <a:xfrm>
+          <a:off x="0" y="0"/>
+          <a:ext cx="0" cy="0"/>
+          <a:chOff x="0" y="0"/>
+          <a:chExt cx="0" cy="0"/>
+        </a:xfrm>
+      </p:grpSpPr>
+      <p:pic>
+        <p:nvPicPr>
+          <p:cNvPr id="4" name="Picture 3" descr="Graphical user interface&#10;&#10;Description automatically generated">
+            <a:extLst>
+              <a:ext uri="{FF2B5EF4-FFF2-40B4-BE49-F238E27FC236}">
+                <a16:creationId xmlns:a16="http://schemas.microsoft.com/office/drawing/2014/main" id="{D964716F-13D0-4EF2-A34D-9318CED17A9E}"/>
+              </a:ext>
+            </a:extLst>
+          </p:cNvPr>
+          <p:cNvPicPr>
+            <a:picLocks noChangeAspect="1"/>
+          </p:cNvPicPr>
+          <p:nvPr/>
+        </p:nvPicPr>
+        <p:blipFill rotWithShape="1">
+          <a:blip r:embed="rId2"/>
           <a:srcRect l="59631"/>
           <a:stretch/>
         </p:blipFill>
@@ -11045,7 +11554,7 @@
 </p:sld>
 </file>
 
-<file path=ppt/slides/slide21.xml><?xml version="1.0" encoding="utf-8"?>
+<file path=ppt/slides/slide23.xml><?xml version="1.0" encoding="utf-8"?>
 <p:sld xmlns:a="http://schemas.openxmlformats.org/drawingml/2006/main" xmlns:r="http://schemas.openxmlformats.org/officeDocument/2006/relationships" xmlns:p="http://schemas.openxmlformats.org/presentationml/2006/main">
   <p:cSld>
     <p:spTree>
@@ -11516,6 +12025,205 @@
           <p:cNvPr id="2" name="Title 1">
             <a:extLst>
               <a:ext uri="{FF2B5EF4-FFF2-40B4-BE49-F238E27FC236}">
+                <a16:creationId xmlns:a16="http://schemas.microsoft.com/office/drawing/2014/main" id="{38C4C113-941D-4A6E-8F28-A5705EC38B7C}"/>
+              </a:ext>
+            </a:extLst>
+          </p:cNvPr>
+          <p:cNvSpPr>
+            <a:spLocks noGrp="1"/>
+          </p:cNvSpPr>
+          <p:nvPr>
+            <p:ph type="title"/>
+          </p:nvPr>
+        </p:nvSpPr>
+        <p:spPr/>
+        <p:txBody>
+          <a:bodyPr/>
+          <a:lstStyle/>
+          <a:p>
+            <a:r>
+              <a:rPr lang="ko-KR" altLang="en-US" dirty="0"/>
+              <a:t>준비</a:t>
+            </a:r>
+            <a:r>
+              <a:rPr lang="en-US" altLang="ko-KR" dirty="0"/>
+              <a:t>, </a:t>
+            </a:r>
+            <a:r>
+              <a:rPr lang="ko-KR" altLang="en-US" dirty="0"/>
+              <a:t>설치 및 실행</a:t>
+            </a:r>
+            <a:endParaRPr lang="en-US" dirty="0"/>
+          </a:p>
+        </p:txBody>
+      </p:sp>
+      <p:sp>
+        <p:nvSpPr>
+          <p:cNvPr id="3" name="Content Placeholder 2">
+            <a:extLst>
+              <a:ext uri="{FF2B5EF4-FFF2-40B4-BE49-F238E27FC236}">
+                <a16:creationId xmlns:a16="http://schemas.microsoft.com/office/drawing/2014/main" id="{2B97E551-D873-457F-B098-EA4143A4C3C0}"/>
+              </a:ext>
+            </a:extLst>
+          </p:cNvPr>
+          <p:cNvSpPr>
+            <a:spLocks noGrp="1"/>
+          </p:cNvSpPr>
+          <p:nvPr>
+            <p:ph idx="1"/>
+          </p:nvPr>
+        </p:nvSpPr>
+        <p:spPr>
+          <a:xfrm>
+            <a:off x="838200" y="1854009"/>
+            <a:ext cx="10515600" cy="4351338"/>
+          </a:xfrm>
+        </p:spPr>
+        <p:txBody>
+          <a:bodyPr>
+            <a:noAutofit/>
+          </a:bodyPr>
+          <a:lstStyle/>
+          <a:p>
+            <a:r>
+              <a:rPr lang="ko-KR" altLang="en-US" sz="2000" dirty="0"/>
+              <a:t>폴더 구조</a:t>
+            </a:r>
+            <a:endParaRPr lang="en-US" altLang="ko-KR" sz="2000" dirty="0"/>
+          </a:p>
+          <a:p>
+            <a:pPr lvl="1"/>
+            <a:r>
+              <a:rPr lang="en-US" sz="1600" dirty="0"/>
+              <a:t>Images: </a:t>
+            </a:r>
+            <a:r>
+              <a:rPr lang="ko-KR" altLang="en-US" sz="1600" dirty="0"/>
+              <a:t>프레임별 원본 및 검출 사진</a:t>
+            </a:r>
+            <a:endParaRPr lang="en-US" altLang="ko-KR" sz="1600" dirty="0"/>
+          </a:p>
+          <a:p>
+            <a:pPr lvl="1"/>
+            <a:r>
+              <a:rPr lang="en-US" sz="1600" dirty="0"/>
+              <a:t>Results: </a:t>
+            </a:r>
+            <a:r>
+              <a:rPr lang="ko-KR" altLang="en-US" sz="1600" dirty="0"/>
+              <a:t>동영상별 검출 설정</a:t>
+            </a:r>
+            <a:r>
+              <a:rPr lang="en-US" altLang="ko-KR" sz="1600" dirty="0"/>
+              <a:t>, </a:t>
+            </a:r>
+            <a:r>
+              <a:rPr lang="ko-KR" altLang="en-US" sz="1600" dirty="0"/>
+              <a:t>결과 </a:t>
+            </a:r>
+            <a:r>
+              <a:rPr lang="en-US" altLang="ko-KR" sz="1600" dirty="0"/>
+              <a:t>csv </a:t>
+            </a:r>
+            <a:r>
+              <a:rPr lang="ko-KR" altLang="en-US" sz="1600" dirty="0"/>
+              <a:t>파일</a:t>
+            </a:r>
+            <a:r>
+              <a:rPr lang="en-US" altLang="ko-KR" sz="1600" dirty="0"/>
+              <a:t> </a:t>
+            </a:r>
+            <a:r>
+              <a:rPr lang="ko-KR" altLang="en-US" sz="1600" dirty="0"/>
+              <a:t>및 그래프</a:t>
+            </a:r>
+            <a:endParaRPr lang="en-US" altLang="ko-KR" sz="1600" dirty="0"/>
+          </a:p>
+          <a:p>
+            <a:pPr lvl="1"/>
+            <a:r>
+              <a:rPr lang="en-US" sz="1600" dirty="0"/>
+              <a:t>Videos: </a:t>
+            </a:r>
+            <a:r>
+              <a:rPr lang="ko-KR" altLang="en-US" sz="1600"/>
+              <a:t>분석할 동영상 파일들을 여기로 이동</a:t>
+            </a:r>
+            <a:endParaRPr lang="en-US" sz="1600" dirty="0"/>
+          </a:p>
+          <a:p>
+            <a:pPr marL="0" indent="0">
+              <a:buNone/>
+            </a:pPr>
+            <a:endParaRPr lang="en-US" altLang="ko-KR" sz="2000" dirty="0"/>
+          </a:p>
+        </p:txBody>
+      </p:sp>
+      <p:pic>
+        <p:nvPicPr>
+          <p:cNvPr id="5" name="Picture 4" descr="Graphical user interface, application&#10;&#10;Description automatically generated">
+            <a:extLst>
+              <a:ext uri="{FF2B5EF4-FFF2-40B4-BE49-F238E27FC236}">
+                <a16:creationId xmlns:a16="http://schemas.microsoft.com/office/drawing/2014/main" id="{E8636C67-2C55-4B5E-9FA1-351D3D2B6AEC}"/>
+              </a:ext>
+            </a:extLst>
+          </p:cNvPr>
+          <p:cNvPicPr>
+            <a:picLocks noChangeAspect="1"/>
+          </p:cNvPicPr>
+          <p:nvPr/>
+        </p:nvPicPr>
+        <p:blipFill>
+          <a:blip r:embed="rId2"/>
+          <a:stretch>
+            <a:fillRect/>
+          </a:stretch>
+        </p:blipFill>
+        <p:spPr>
+          <a:xfrm>
+            <a:off x="7267074" y="1979255"/>
+            <a:ext cx="3033361" cy="3435373"/>
+          </a:xfrm>
+          <a:prstGeom prst="rect">
+            <a:avLst/>
+          </a:prstGeom>
+        </p:spPr>
+      </p:pic>
+    </p:spTree>
+    <p:extLst>
+      <p:ext uri="{BB962C8B-B14F-4D97-AF65-F5344CB8AC3E}">
+        <p14:creationId xmlns:p14="http://schemas.microsoft.com/office/powerpoint/2010/main" val="2948247989"/>
+      </p:ext>
+    </p:extLst>
+  </p:cSld>
+  <p:clrMapOvr>
+    <a:masterClrMapping/>
+  </p:clrMapOvr>
+</p:sld>
+</file>
+
+<file path=ppt/slides/slide4.xml><?xml version="1.0" encoding="utf-8"?>
+<p:sld xmlns:a="http://schemas.openxmlformats.org/drawingml/2006/main" xmlns:r="http://schemas.openxmlformats.org/officeDocument/2006/relationships" xmlns:p="http://schemas.openxmlformats.org/presentationml/2006/main">
+  <p:cSld>
+    <p:spTree>
+      <p:nvGrpSpPr>
+        <p:cNvPr id="1" name=""/>
+        <p:cNvGrpSpPr/>
+        <p:nvPr/>
+      </p:nvGrpSpPr>
+      <p:grpSpPr>
+        <a:xfrm>
+          <a:off x="0" y="0"/>
+          <a:ext cx="0" cy="0"/>
+          <a:chOff x="0" y="0"/>
+          <a:chExt cx="0" cy="0"/>
+        </a:xfrm>
+      </p:grpSpPr>
+      <p:sp>
+        <p:nvSpPr>
+          <p:cNvPr id="2" name="Title 1">
+            <a:extLst>
+              <a:ext uri="{FF2B5EF4-FFF2-40B4-BE49-F238E27FC236}">
                 <a16:creationId xmlns:a16="http://schemas.microsoft.com/office/drawing/2014/main" id="{CDBC1728-83B9-4A87-8D5D-8609F6ED2FD8}"/>
               </a:ext>
             </a:extLst>
@@ -11915,7 +12623,7 @@
 </p:sld>
 </file>
 
-<file path=ppt/slides/slide4.xml><?xml version="1.0" encoding="utf-8"?>
+<file path=ppt/slides/slide5.xml><?xml version="1.0" encoding="utf-8"?>
 <p:sld xmlns:a="http://schemas.openxmlformats.org/drawingml/2006/main" xmlns:r="http://schemas.openxmlformats.org/officeDocument/2006/relationships" xmlns:p="http://schemas.openxmlformats.org/presentationml/2006/main">
   <p:cSld>
     <p:spTree>
@@ -12458,7 +13166,7 @@
 </p:sld>
 </file>
 
-<file path=ppt/slides/slide5.xml><?xml version="1.0" encoding="utf-8"?>
+<file path=ppt/slides/slide6.xml><?xml version="1.0" encoding="utf-8"?>
 <p:sld xmlns:a="http://schemas.openxmlformats.org/drawingml/2006/main" xmlns:r="http://schemas.openxmlformats.org/officeDocument/2006/relationships" xmlns:p="http://schemas.openxmlformats.org/presentationml/2006/main">
   <p:cSld>
     <p:spTree>
@@ -12771,7 +13479,7 @@
 </p:sld>
 </file>
 
-<file path=ppt/slides/slide6.xml><?xml version="1.0" encoding="utf-8"?>
+<file path=ppt/slides/slide7.xml><?xml version="1.0" encoding="utf-8"?>
 <p:sld xmlns:a="http://schemas.openxmlformats.org/drawingml/2006/main" xmlns:r="http://schemas.openxmlformats.org/officeDocument/2006/relationships" xmlns:p="http://schemas.openxmlformats.org/presentationml/2006/main">
   <p:cSld>
     <p:spTree>
@@ -13746,7 +14454,7 @@
 </p:sld>
 </file>
 
-<file path=ppt/slides/slide7.xml><?xml version="1.0" encoding="utf-8"?>
+<file path=ppt/slides/slide8.xml><?xml version="1.0" encoding="utf-8"?>
 <p:sld xmlns:a="http://schemas.openxmlformats.org/drawingml/2006/main" xmlns:r="http://schemas.openxmlformats.org/officeDocument/2006/relationships" xmlns:p="http://schemas.openxmlformats.org/presentationml/2006/main">
   <p:cSld>
     <p:spTree>
@@ -14361,7 +15069,7 @@
 </p:sld>
 </file>
 
-<file path=ppt/slides/slide8.xml><?xml version="1.0" encoding="utf-8"?>
+<file path=ppt/slides/slide9.xml><?xml version="1.0" encoding="utf-8"?>
 <p:sld xmlns:a="http://schemas.openxmlformats.org/drawingml/2006/main" xmlns:r="http://schemas.openxmlformats.org/officeDocument/2006/relationships" xmlns:p="http://schemas.openxmlformats.org/presentationml/2006/main">
   <p:cSld>
     <p:spTree>
@@ -15018,295 +15726,6 @@
     <p:extLst>
       <p:ext uri="{BB962C8B-B14F-4D97-AF65-F5344CB8AC3E}">
         <p14:creationId xmlns:p14="http://schemas.microsoft.com/office/powerpoint/2010/main" val="3615926623"/>
-      </p:ext>
-    </p:extLst>
-  </p:cSld>
-  <p:clrMapOvr>
-    <a:masterClrMapping/>
-  </p:clrMapOvr>
-</p:sld>
-</file>
-
-<file path=ppt/slides/slide9.xml><?xml version="1.0" encoding="utf-8"?>
-<p:sld xmlns:a="http://schemas.openxmlformats.org/drawingml/2006/main" xmlns:r="http://schemas.openxmlformats.org/officeDocument/2006/relationships" xmlns:p="http://schemas.openxmlformats.org/presentationml/2006/main">
-  <p:cSld>
-    <p:spTree>
-      <p:nvGrpSpPr>
-        <p:cNvPr id="1" name=""/>
-        <p:cNvGrpSpPr/>
-        <p:nvPr/>
-      </p:nvGrpSpPr>
-      <p:grpSpPr>
-        <a:xfrm>
-          <a:off x="0" y="0"/>
-          <a:ext cx="0" cy="0"/>
-          <a:chOff x="0" y="0"/>
-          <a:chExt cx="0" cy="0"/>
-        </a:xfrm>
-      </p:grpSpPr>
-      <p:sp>
-        <p:nvSpPr>
-          <p:cNvPr id="2" name="Title 1">
-            <a:extLst>
-              <a:ext uri="{FF2B5EF4-FFF2-40B4-BE49-F238E27FC236}">
-                <a16:creationId xmlns:a16="http://schemas.microsoft.com/office/drawing/2014/main" id="{CDBC1728-83B9-4A87-8D5D-8609F6ED2FD8}"/>
-              </a:ext>
-            </a:extLst>
-          </p:cNvPr>
-          <p:cNvSpPr>
-            <a:spLocks noGrp="1"/>
-          </p:cNvSpPr>
-          <p:nvPr>
-            <p:ph type="title"/>
-          </p:nvPr>
-        </p:nvSpPr>
-        <p:spPr/>
-        <p:txBody>
-          <a:bodyPr/>
-          <a:lstStyle/>
-          <a:p>
-            <a:r>
-              <a:rPr lang="ko-KR" altLang="en-US" sz="4400" dirty="0"/>
-              <a:t>검출 방식 및 설정</a:t>
-            </a:r>
-            <a:endParaRPr lang="en-US" dirty="0"/>
-          </a:p>
-        </p:txBody>
-      </p:sp>
-      <p:sp>
-        <p:nvSpPr>
-          <p:cNvPr id="4" name="Content Placeholder 3">
-            <a:extLst>
-              <a:ext uri="{FF2B5EF4-FFF2-40B4-BE49-F238E27FC236}">
-                <a16:creationId xmlns:a16="http://schemas.microsoft.com/office/drawing/2014/main" id="{AB5DF808-72E8-45FA-A7E1-1974B6A239DB}"/>
-              </a:ext>
-            </a:extLst>
-          </p:cNvPr>
-          <p:cNvSpPr>
-            <a:spLocks noGrp="1"/>
-          </p:cNvSpPr>
-          <p:nvPr>
-            <p:ph idx="1"/>
-          </p:nvPr>
-        </p:nvSpPr>
-        <p:spPr/>
-        <p:txBody>
-          <a:bodyPr>
-            <a:noAutofit/>
-          </a:bodyPr>
-          <a:lstStyle/>
-          <a:p>
-            <a:pPr>
-              <a:lnSpc>
-                <a:spcPct val="150000"/>
-              </a:lnSpc>
-              <a:buFontTx/>
-              <a:buChar char="-"/>
-            </a:pPr>
-            <a:r>
-              <a:rPr lang="en-US" altLang="ko-KR" sz="2000" dirty="0"/>
-              <a:t>“Process this frame (Test settings)” </a:t>
-            </a:r>
-            <a:r>
-              <a:rPr lang="ko-KR" altLang="en-US" sz="2000" dirty="0"/>
-              <a:t>버튼으로 각 단계 확인</a:t>
-            </a:r>
-            <a:endParaRPr lang="en-US" altLang="ko-KR" sz="2000" dirty="0"/>
-          </a:p>
-          <a:p>
-            <a:pPr marL="457200" indent="-457200">
-              <a:lnSpc>
-                <a:spcPct val="150000"/>
-              </a:lnSpc>
-              <a:buAutoNum type="arabicPeriod"/>
-            </a:pPr>
-            <a:r>
-              <a:rPr lang="ko-KR" altLang="en-US" sz="2000" dirty="0"/>
-              <a:t>이진 이미지 출력</a:t>
-            </a:r>
-            <a:endParaRPr lang="en-US" altLang="ko-KR" sz="2000" dirty="0"/>
-          </a:p>
-          <a:p>
-            <a:pPr marL="742950" lvl="1" indent="-285750">
-              <a:lnSpc>
-                <a:spcPct val="150000"/>
-              </a:lnSpc>
-              <a:buFontTx/>
-              <a:buChar char="-"/>
-            </a:pPr>
-            <a:r>
-              <a:rPr lang="ko-KR" altLang="en-US" sz="2000" dirty="0"/>
-              <a:t>관련 설정</a:t>
-            </a:r>
-            <a:r>
-              <a:rPr lang="en-US" altLang="ko-KR" sz="2000" dirty="0"/>
-              <a:t>:</a:t>
-            </a:r>
-          </a:p>
-          <a:p>
-            <a:pPr marL="1200150" lvl="2" indent="-285750">
-              <a:lnSpc>
-                <a:spcPct val="150000"/>
-              </a:lnSpc>
-              <a:buFontTx/>
-              <a:buChar char="-"/>
-            </a:pPr>
-            <a:r>
-              <a:rPr lang="en-US" dirty="0" err="1"/>
-              <a:t>Brightness_low</a:t>
-            </a:r>
-            <a:r>
-              <a:rPr lang="en-US" dirty="0"/>
-              <a:t>: </a:t>
-            </a:r>
-            <a:r>
-              <a:rPr lang="ko-KR" altLang="en-US" dirty="0"/>
-              <a:t>최소 밝기 </a:t>
-            </a:r>
-            <a:r>
-              <a:rPr lang="en-US" altLang="ko-KR" dirty="0"/>
-              <a:t>[0~255]</a:t>
-            </a:r>
-            <a:endParaRPr lang="en-US" dirty="0"/>
-          </a:p>
-          <a:p>
-            <a:pPr marL="1200150" lvl="2" indent="-285750">
-              <a:lnSpc>
-                <a:spcPct val="150000"/>
-              </a:lnSpc>
-              <a:buFontTx/>
-              <a:buChar char="-"/>
-            </a:pPr>
-            <a:r>
-              <a:rPr lang="en-US" dirty="0" err="1"/>
-              <a:t>Brightness_high</a:t>
-            </a:r>
-            <a:r>
-              <a:rPr lang="en-US" dirty="0"/>
-              <a:t>: </a:t>
-            </a:r>
-            <a:r>
-              <a:rPr lang="ko-KR" altLang="en-US" dirty="0"/>
-              <a:t>최대 밝기 </a:t>
-            </a:r>
-            <a:r>
-              <a:rPr lang="en-US" altLang="ko-KR" dirty="0"/>
-              <a:t>[0~255]</a:t>
-            </a:r>
-            <a:endParaRPr lang="en-US" dirty="0"/>
-          </a:p>
-          <a:p>
-            <a:pPr marL="742950" lvl="1" indent="-285750">
-              <a:lnSpc>
-                <a:spcPct val="150000"/>
-              </a:lnSpc>
-              <a:buFontTx/>
-              <a:buChar char="-"/>
-            </a:pPr>
-            <a:r>
-              <a:rPr lang="ko-KR" altLang="en-US" sz="2000" dirty="0"/>
-              <a:t>두 값 사이의 밝기는 흰색</a:t>
-            </a:r>
-            <a:r>
-              <a:rPr lang="en-US" altLang="ko-KR" sz="2000" dirty="0"/>
-              <a:t>, </a:t>
-            </a:r>
-            <a:r>
-              <a:rPr lang="ko-KR" altLang="en-US" sz="2000" dirty="0"/>
-              <a:t>그 외는 검은색으로 출력</a:t>
-            </a:r>
-            <a:endParaRPr lang="en-US" altLang="ko-KR" sz="2000" dirty="0"/>
-          </a:p>
-          <a:p>
-            <a:pPr marL="742950" lvl="1" indent="-285750">
-              <a:lnSpc>
-                <a:spcPct val="150000"/>
-              </a:lnSpc>
-              <a:buFontTx/>
-              <a:buChar char="-"/>
-            </a:pPr>
-            <a:r>
-              <a:rPr lang="ko-KR" altLang="en-US" sz="2000" dirty="0"/>
-              <a:t>밝기는 </a:t>
-            </a:r>
-            <a:r>
-              <a:rPr lang="en-US" altLang="ko-KR" sz="2000" dirty="0"/>
-              <a:t>0</a:t>
-            </a:r>
-            <a:r>
-              <a:rPr lang="ko-KR" altLang="en-US" sz="2000" dirty="0"/>
-              <a:t>에 가까울 수록 어두움</a:t>
-            </a:r>
-            <a:endParaRPr lang="en-US" altLang="ko-KR" sz="2000" dirty="0"/>
-          </a:p>
-          <a:p>
-            <a:pPr marL="742950" lvl="1" indent="-285750">
-              <a:lnSpc>
-                <a:spcPct val="150000"/>
-              </a:lnSpc>
-              <a:buFontTx/>
-              <a:buChar char="-"/>
-            </a:pPr>
-            <a:r>
-              <a:rPr lang="ko-KR" altLang="en-US" sz="2000" dirty="0"/>
-              <a:t>검출 대상이 흰색 덩어리로 나오면 성공</a:t>
-            </a:r>
-            <a:endParaRPr lang="en-US" sz="2000" dirty="0"/>
-          </a:p>
-          <a:p>
-            <a:pPr marL="457200" indent="-457200">
-              <a:lnSpc>
-                <a:spcPct val="150000"/>
-              </a:lnSpc>
-              <a:buAutoNum type="arabicPeriod"/>
-            </a:pPr>
-            <a:endParaRPr lang="en-US" altLang="ko-KR" sz="2000" dirty="0"/>
-          </a:p>
-          <a:p>
-            <a:pPr marL="457200" indent="-457200">
-              <a:lnSpc>
-                <a:spcPct val="150000"/>
-              </a:lnSpc>
-              <a:buAutoNum type="arabicPeriod"/>
-            </a:pPr>
-            <a:endParaRPr lang="en-US" altLang="ko-KR" sz="2000" dirty="0"/>
-          </a:p>
-        </p:txBody>
-      </p:sp>
-      <p:pic>
-        <p:nvPicPr>
-          <p:cNvPr id="8" name="Picture 7" descr="A screenshot of a computer&#10;&#10;Description automatically generated with medium confidence">
-            <a:extLst>
-              <a:ext uri="{FF2B5EF4-FFF2-40B4-BE49-F238E27FC236}">
-                <a16:creationId xmlns:a16="http://schemas.microsoft.com/office/drawing/2014/main" id="{5C63A947-2239-4C38-8A14-857C05623EC2}"/>
-              </a:ext>
-            </a:extLst>
-          </p:cNvPr>
-          <p:cNvPicPr>
-            <a:picLocks noChangeAspect="1"/>
-          </p:cNvPicPr>
-          <p:nvPr/>
-        </p:nvPicPr>
-        <p:blipFill>
-          <a:blip r:embed="rId3"/>
-          <a:stretch>
-            <a:fillRect/>
-          </a:stretch>
-        </p:blipFill>
-        <p:spPr>
-          <a:xfrm>
-            <a:off x="8415097" y="2090168"/>
-            <a:ext cx="3439005" cy="4086795"/>
-          </a:xfrm>
-          <a:prstGeom prst="rect">
-            <a:avLst/>
-          </a:prstGeom>
-        </p:spPr>
-      </p:pic>
-    </p:spTree>
-    <p:extLst>
-      <p:ext uri="{BB962C8B-B14F-4D97-AF65-F5344CB8AC3E}">
-        <p14:creationId xmlns:p14="http://schemas.microsoft.com/office/powerpoint/2010/main" val="94413158"/>
       </p:ext>
     </p:extLst>
   </p:cSld>
